--- a/architecture/HyperledgerOnKubernetesArchitecture.pptx
+++ b/architecture/HyperledgerOnKubernetesArchitecture.pptx
@@ -5,12 +5,14 @@
     <p:sldMasterId id="2147483674" r:id="rId4"/>
   </p:sldMasterIdLst>
   <p:notesMasterIdLst>
-    <p:notesMasterId r:id="rId8"/>
+    <p:notesMasterId r:id="rId10"/>
   </p:notesMasterIdLst>
   <p:sldIdLst>
     <p:sldId id="285" r:id="rId5"/>
     <p:sldId id="292" r:id="rId6"/>
     <p:sldId id="293" r:id="rId7"/>
+    <p:sldId id="294" r:id="rId8"/>
+    <p:sldId id="367" r:id="rId9"/>
   </p:sldIdLst>
   <p:sldSz cx="9144000" cy="5143500" type="screen16x9"/>
   <p:notesSz cx="6858000" cy="9144000"/>
@@ -347,7 +349,7 @@
             <a:fld id="{0B25AC41-3BEC-9247-8322-91B80C013F2D}" type="datetimeFigureOut">
               <a:rPr lang="en-US" smtClean="0"/>
               <a:pPr/>
-              <a:t>8/26/18</a:t>
+              <a:t>8/30/18</a:t>
             </a:fld>
             <a:endParaRPr lang="en-US" dirty="0"/>
           </a:p>
@@ -788,6 +790,263 @@
     <p:extLst>
       <p:ext uri="{BB962C8B-B14F-4D97-AF65-F5344CB8AC3E}">
         <p14:creationId xmlns:p14="http://schemas.microsoft.com/office/powerpoint/2010/main" val="2217710680"/>
+      </p:ext>
+    </p:extLst>
+  </p:cSld>
+  <p:clrMapOvr>
+    <a:masterClrMapping/>
+  </p:clrMapOvr>
+</p:notes>
+</file>
+
+<file path=ppt/notesSlides/notesSlide3.xml><?xml version="1.0" encoding="utf-8"?>
+<p:notes xmlns:a="http://schemas.openxmlformats.org/drawingml/2006/main" xmlns:r="http://schemas.openxmlformats.org/officeDocument/2006/relationships" xmlns:p="http://schemas.openxmlformats.org/presentationml/2006/main">
+  <p:cSld>
+    <p:spTree>
+      <p:nvGrpSpPr>
+        <p:cNvPr id="1" name=""/>
+        <p:cNvGrpSpPr/>
+        <p:nvPr/>
+      </p:nvGrpSpPr>
+      <p:grpSpPr>
+        <a:xfrm>
+          <a:off x="0" y="0"/>
+          <a:ext cx="0" cy="0"/>
+          <a:chOff x="0" y="0"/>
+          <a:chExt cx="0" cy="0"/>
+        </a:xfrm>
+      </p:grpSpPr>
+      <p:sp>
+        <p:nvSpPr>
+          <p:cNvPr id="2" name="Slide Image Placeholder 1"/>
+          <p:cNvSpPr>
+            <a:spLocks noGrp="1" noRot="1" noChangeAspect="1"/>
+          </p:cNvSpPr>
+          <p:nvPr>
+            <p:ph type="sldImg"/>
+          </p:nvPr>
+        </p:nvSpPr>
+        <p:spPr/>
+      </p:sp>
+      <p:sp>
+        <p:nvSpPr>
+          <p:cNvPr id="3" name="Notes Placeholder 2"/>
+          <p:cNvSpPr>
+            <a:spLocks noGrp="1"/>
+          </p:cNvSpPr>
+          <p:nvPr>
+            <p:ph type="body" idx="1"/>
+          </p:nvPr>
+        </p:nvSpPr>
+        <p:spPr/>
+        <p:txBody>
+          <a:bodyPr/>
+          <a:lstStyle/>
+          <a:p>
+            <a:pPr marL="171450" indent="-171450">
+              <a:buFont typeface="Arial" panose="020B0604020202020204" pitchFamily="34" charset="0"/>
+              <a:buChar char="•"/>
+            </a:pPr>
+            <a:endParaRPr lang="en-US" dirty="0"/>
+          </a:p>
+        </p:txBody>
+      </p:sp>
+      <p:sp>
+        <p:nvSpPr>
+          <p:cNvPr id="4" name="Slide Number Placeholder 3"/>
+          <p:cNvSpPr>
+            <a:spLocks noGrp="1"/>
+          </p:cNvSpPr>
+          <p:nvPr>
+            <p:ph type="sldNum" sz="quarter" idx="10"/>
+          </p:nvPr>
+        </p:nvSpPr>
+        <p:spPr/>
+        <p:txBody>
+          <a:bodyPr/>
+          <a:lstStyle/>
+          <a:p>
+            <a:fld id="{69C3F2ED-74C5-7D4F-8560-0CC253E9A436}" type="slidenum">
+              <a:rPr lang="en-US" smtClean="0"/>
+              <a:pPr/>
+              <a:t>4</a:t>
+            </a:fld>
+            <a:endParaRPr lang="en-US" dirty="0"/>
+          </a:p>
+        </p:txBody>
+      </p:sp>
+    </p:spTree>
+    <p:extLst>
+      <p:ext uri="{BB962C8B-B14F-4D97-AF65-F5344CB8AC3E}">
+        <p14:creationId xmlns:p14="http://schemas.microsoft.com/office/powerpoint/2010/main" val="1424222961"/>
+      </p:ext>
+    </p:extLst>
+  </p:cSld>
+  <p:clrMapOvr>
+    <a:masterClrMapping/>
+  </p:clrMapOvr>
+</p:notes>
+</file>
+
+<file path=ppt/notesSlides/notesSlide4.xml><?xml version="1.0" encoding="utf-8"?>
+<p:notes xmlns:a="http://schemas.openxmlformats.org/drawingml/2006/main" xmlns:r="http://schemas.openxmlformats.org/officeDocument/2006/relationships" xmlns:p="http://schemas.openxmlformats.org/presentationml/2006/main">
+  <p:cSld>
+    <p:spTree>
+      <p:nvGrpSpPr>
+        <p:cNvPr id="1" name=""/>
+        <p:cNvGrpSpPr/>
+        <p:nvPr/>
+      </p:nvGrpSpPr>
+      <p:grpSpPr>
+        <a:xfrm>
+          <a:off x="0" y="0"/>
+          <a:ext cx="0" cy="0"/>
+          <a:chOff x="0" y="0"/>
+          <a:chExt cx="0" cy="0"/>
+        </a:xfrm>
+      </p:grpSpPr>
+      <p:sp>
+        <p:nvSpPr>
+          <p:cNvPr id="2" name="Slide Image Placeholder 1"/>
+          <p:cNvSpPr>
+            <a:spLocks noGrp="1" noRot="1" noChangeAspect="1"/>
+          </p:cNvSpPr>
+          <p:nvPr>
+            <p:ph type="sldImg"/>
+          </p:nvPr>
+        </p:nvSpPr>
+        <p:spPr/>
+      </p:sp>
+      <p:sp>
+        <p:nvSpPr>
+          <p:cNvPr id="3" name="Notes Placeholder 2"/>
+          <p:cNvSpPr>
+            <a:spLocks noGrp="1"/>
+          </p:cNvSpPr>
+          <p:nvPr>
+            <p:ph type="body" idx="1"/>
+          </p:nvPr>
+        </p:nvSpPr>
+        <p:spPr/>
+        <p:txBody>
+          <a:bodyPr/>
+          <a:lstStyle/>
+          <a:p>
+            <a:pPr marL="0" indent="0">
+              <a:buFont typeface="Arial" panose="020B0604020202020204" pitchFamily="34" charset="0"/>
+              <a:buNone/>
+            </a:pPr>
+            <a:r>
+              <a:rPr lang="en-US" dirty="0"/>
+              <a:t>A Fabric network consists of the following components:</a:t>
+            </a:r>
+          </a:p>
+          <a:p>
+            <a:pPr marL="171450" indent="-171450">
+              <a:buFont typeface="Arial" panose="020B0604020202020204" pitchFamily="34" charset="0"/>
+              <a:buChar char="•"/>
+            </a:pPr>
+            <a:r>
+              <a:rPr lang="en-US" dirty="0"/>
+              <a:t>Peers: who store a copy of the blockchain (ledger) as well as the world state</a:t>
+            </a:r>
+          </a:p>
+          <a:p>
+            <a:pPr marL="171450" indent="-171450">
+              <a:buFont typeface="Arial" panose="020B0604020202020204" pitchFamily="34" charset="0"/>
+              <a:buChar char="•"/>
+            </a:pPr>
+            <a:r>
+              <a:rPr lang="en-US" dirty="0"/>
+              <a:t>CA: generates certificates and keys per </a:t>
+            </a:r>
+            <a:r>
+              <a:rPr lang="en-US" dirty="0" err="1"/>
+              <a:t>organisation</a:t>
+            </a:r>
+            <a:endParaRPr lang="en-US" dirty="0"/>
+          </a:p>
+          <a:p>
+            <a:pPr marL="171450" indent="-171450">
+              <a:buFont typeface="Arial" panose="020B0604020202020204" pitchFamily="34" charset="0"/>
+              <a:buChar char="•"/>
+            </a:pPr>
+            <a:r>
+              <a:rPr lang="en-US" dirty="0"/>
+              <a:t>CLI: allows operation of the network via a CLI</a:t>
+            </a:r>
+          </a:p>
+          <a:p>
+            <a:pPr marL="171450" indent="-171450">
+              <a:buFont typeface="Arial" panose="020B0604020202020204" pitchFamily="34" charset="0"/>
+              <a:buChar char="•"/>
+            </a:pPr>
+            <a:r>
+              <a:rPr lang="en-US" dirty="0" err="1"/>
+              <a:t>Orderer</a:t>
+            </a:r>
+            <a:r>
+              <a:rPr lang="en-US" dirty="0"/>
+              <a:t>: usually, Kafka is used to order the TX</a:t>
+            </a:r>
+          </a:p>
+          <a:p>
+            <a:pPr marL="171450" indent="-171450">
+              <a:buFont typeface="Arial" panose="020B0604020202020204" pitchFamily="34" charset="0"/>
+              <a:buChar char="•"/>
+            </a:pPr>
+            <a:r>
+              <a:rPr lang="en-US" dirty="0"/>
+              <a:t>OSN: receives TX, validates signatures, cuts blocks and distributes blocks to peers</a:t>
+            </a:r>
+          </a:p>
+          <a:p>
+            <a:pPr marL="0" indent="0">
+              <a:buFont typeface="Arial" panose="020B0604020202020204" pitchFamily="34" charset="0"/>
+              <a:buNone/>
+            </a:pPr>
+            <a:endParaRPr lang="en-US" dirty="0"/>
+          </a:p>
+          <a:p>
+            <a:pPr marL="0" indent="0">
+              <a:buFont typeface="Arial" panose="020B0604020202020204" pitchFamily="34" charset="0"/>
+              <a:buNone/>
+            </a:pPr>
+            <a:r>
+              <a:rPr lang="en-US" dirty="0"/>
+              <a:t>It’s possible to run all of these components on Kubernetes.</a:t>
+            </a:r>
+          </a:p>
+        </p:txBody>
+      </p:sp>
+      <p:sp>
+        <p:nvSpPr>
+          <p:cNvPr id="4" name="Slide Number Placeholder 3"/>
+          <p:cNvSpPr>
+            <a:spLocks noGrp="1"/>
+          </p:cNvSpPr>
+          <p:nvPr>
+            <p:ph type="sldNum" sz="quarter" idx="10"/>
+          </p:nvPr>
+        </p:nvSpPr>
+        <p:spPr/>
+        <p:txBody>
+          <a:bodyPr/>
+          <a:lstStyle/>
+          <a:p>
+            <a:fld id="{69C3F2ED-74C5-7D4F-8560-0CC253E9A436}" type="slidenum">
+              <a:rPr lang="en-US" smtClean="0"/>
+              <a:pPr/>
+              <a:t>5</a:t>
+            </a:fld>
+            <a:endParaRPr lang="en-US" dirty="0"/>
+          </a:p>
+        </p:txBody>
+      </p:sp>
+    </p:spTree>
+    <p:extLst>
+      <p:ext uri="{BB962C8B-B14F-4D97-AF65-F5344CB8AC3E}">
+        <p14:creationId xmlns:p14="http://schemas.microsoft.com/office/powerpoint/2010/main" val="3717669687"/>
       </p:ext>
     </p:extLst>
   </p:cSld>
@@ -14519,6 +14778,4288 @@
     <p:extLst>
       <p:ext uri="{BB962C8B-B14F-4D97-AF65-F5344CB8AC3E}">
         <p14:creationId xmlns:p14="http://schemas.microsoft.com/office/powerpoint/2010/main" val="3779771465"/>
+      </p:ext>
+    </p:extLst>
+  </p:cSld>
+  <p:clrMapOvr>
+    <a:masterClrMapping/>
+  </p:clrMapOvr>
+</p:sld>
+</file>
+
+<file path=ppt/slides/slide4.xml><?xml version="1.0" encoding="utf-8"?>
+<p:sld xmlns:a="http://schemas.openxmlformats.org/drawingml/2006/main" xmlns:r="http://schemas.openxmlformats.org/officeDocument/2006/relationships" xmlns:p="http://schemas.openxmlformats.org/presentationml/2006/main">
+  <p:cSld>
+    <p:spTree>
+      <p:nvGrpSpPr>
+        <p:cNvPr id="1" name=""/>
+        <p:cNvGrpSpPr/>
+        <p:nvPr/>
+      </p:nvGrpSpPr>
+      <p:grpSpPr>
+        <a:xfrm>
+          <a:off x="0" y="0"/>
+          <a:ext cx="0" cy="0"/>
+          <a:chOff x="0" y="0"/>
+          <a:chExt cx="0" cy="0"/>
+        </a:xfrm>
+      </p:grpSpPr>
+      <p:grpSp>
+        <p:nvGrpSpPr>
+          <p:cNvPr id="123" name="Group 122">
+            <a:extLst>
+              <a:ext uri="{FF2B5EF4-FFF2-40B4-BE49-F238E27FC236}">
+                <a16:creationId xmlns:a16="http://schemas.microsoft.com/office/drawing/2014/main" id="{95CB22A6-1A8E-5C42-ACAC-237E2D42D2CF}"/>
+              </a:ext>
+            </a:extLst>
+          </p:cNvPr>
+          <p:cNvGrpSpPr/>
+          <p:nvPr/>
+        </p:nvGrpSpPr>
+        <p:grpSpPr>
+          <a:xfrm>
+            <a:off x="2713667" y="2908651"/>
+            <a:ext cx="3232324" cy="984395"/>
+            <a:chOff x="6743700" y="760413"/>
+            <a:chExt cx="1752600" cy="1733550"/>
+          </a:xfrm>
+        </p:grpSpPr>
+        <p:grpSp>
+          <p:nvGrpSpPr>
+            <p:cNvPr id="124" name="Group 21">
+              <a:extLst>
+                <a:ext uri="{FF2B5EF4-FFF2-40B4-BE49-F238E27FC236}">
+                  <a16:creationId xmlns:a16="http://schemas.microsoft.com/office/drawing/2014/main" id="{0D43D405-88C7-084D-9C11-C80B932AE941}"/>
+                </a:ext>
+              </a:extLst>
+            </p:cNvPr>
+            <p:cNvGrpSpPr>
+              <a:grpSpLocks/>
+            </p:cNvGrpSpPr>
+            <p:nvPr/>
+          </p:nvGrpSpPr>
+          <p:grpSpPr bwMode="auto">
+            <a:xfrm>
+              <a:off x="6743700" y="760413"/>
+              <a:ext cx="1752600" cy="1733550"/>
+              <a:chOff x="545458" y="4783771"/>
+              <a:chExt cx="2293787" cy="1733798"/>
+            </a:xfrm>
+          </p:grpSpPr>
+          <p:sp>
+            <p:nvSpPr>
+              <p:cNvPr id="126" name="Rounded Rectangle 125">
+                <a:extLst>
+                  <a:ext uri="{FF2B5EF4-FFF2-40B4-BE49-F238E27FC236}">
+                    <a16:creationId xmlns:a16="http://schemas.microsoft.com/office/drawing/2014/main" id="{2D639DAC-367F-914E-9BCD-3CA18244187C}"/>
+                  </a:ext>
+                </a:extLst>
+              </p:cNvPr>
+              <p:cNvSpPr/>
+              <p:nvPr/>
+            </p:nvSpPr>
+            <p:spPr>
+              <a:xfrm>
+                <a:off x="545458" y="4783771"/>
+                <a:ext cx="2293787" cy="1733798"/>
+              </a:xfrm>
+              <a:prstGeom prst="roundRect">
+                <a:avLst>
+                  <a:gd name="adj" fmla="val 9818"/>
+                </a:avLst>
+              </a:prstGeom>
+              <a:ln>
+                <a:prstDash val="dash"/>
+              </a:ln>
+            </p:spPr>
+            <p:style>
+              <a:lnRef idx="2">
+                <a:schemeClr val="accent3"/>
+              </a:lnRef>
+              <a:fillRef idx="1">
+                <a:schemeClr val="lt1"/>
+              </a:fillRef>
+              <a:effectRef idx="0">
+                <a:schemeClr val="accent3"/>
+              </a:effectRef>
+              <a:fontRef idx="minor">
+                <a:schemeClr val="dk1"/>
+              </a:fontRef>
+            </p:style>
+            <p:txBody>
+              <a:bodyPr anchor="ctr"/>
+              <a:lstStyle/>
+              <a:p>
+                <a:pPr algn="ctr">
+                  <a:defRPr/>
+                </a:pPr>
+                <a:endParaRPr lang="en-US" sz="1350" dirty="0">
+                  <a:solidFill>
+                    <a:schemeClr val="tx1"/>
+                  </a:solidFill>
+                  <a:latin typeface="Helvetica Neue"/>
+                  <a:cs typeface="Helvetica Neue"/>
+                </a:endParaRPr>
+              </a:p>
+            </p:txBody>
+          </p:sp>
+          <p:sp>
+            <p:nvSpPr>
+              <p:cNvPr id="127" name="Rounded Rectangle 126">
+                <a:extLst>
+                  <a:ext uri="{FF2B5EF4-FFF2-40B4-BE49-F238E27FC236}">
+                    <a16:creationId xmlns:a16="http://schemas.microsoft.com/office/drawing/2014/main" id="{78CE581B-08E6-EE46-BFA2-D6850D690312}"/>
+                  </a:ext>
+                </a:extLst>
+              </p:cNvPr>
+              <p:cNvSpPr/>
+              <p:nvPr/>
+            </p:nvSpPr>
+            <p:spPr>
+              <a:xfrm>
+                <a:off x="545458" y="4783771"/>
+                <a:ext cx="2293787" cy="1733798"/>
+              </a:xfrm>
+              <a:prstGeom prst="roundRect">
+                <a:avLst>
+                  <a:gd name="adj" fmla="val 9818"/>
+                </a:avLst>
+              </a:prstGeom>
+              <a:ln>
+                <a:prstDash val="dash"/>
+              </a:ln>
+            </p:spPr>
+            <p:style>
+              <a:lnRef idx="2">
+                <a:schemeClr val="accent3"/>
+              </a:lnRef>
+              <a:fillRef idx="1">
+                <a:schemeClr val="lt1"/>
+              </a:fillRef>
+              <a:effectRef idx="0">
+                <a:schemeClr val="accent3"/>
+              </a:effectRef>
+              <a:fontRef idx="minor">
+                <a:schemeClr val="dk1"/>
+              </a:fontRef>
+            </p:style>
+            <p:txBody>
+              <a:bodyPr anchor="ctr"/>
+              <a:lstStyle/>
+              <a:p>
+                <a:pPr algn="ctr">
+                  <a:defRPr/>
+                </a:pPr>
+                <a:endParaRPr lang="en-US" sz="1350" dirty="0">
+                  <a:solidFill>
+                    <a:schemeClr val="tx1"/>
+                  </a:solidFill>
+                  <a:latin typeface="Helvetica Neue"/>
+                  <a:cs typeface="Helvetica Neue"/>
+                </a:endParaRPr>
+              </a:p>
+            </p:txBody>
+          </p:sp>
+        </p:grpSp>
+        <p:sp>
+          <p:nvSpPr>
+            <p:cNvPr id="125" name="TextBox 34">
+              <a:extLst>
+                <a:ext uri="{FF2B5EF4-FFF2-40B4-BE49-F238E27FC236}">
+                  <a16:creationId xmlns:a16="http://schemas.microsoft.com/office/drawing/2014/main" id="{A0137BA7-AC72-A446-AFEB-3E7BD5B8AEBA}"/>
+                </a:ext>
+              </a:extLst>
+            </p:cNvPr>
+            <p:cNvSpPr txBox="1">
+              <a:spLocks noChangeArrowheads="1"/>
+            </p:cNvSpPr>
+            <p:nvPr/>
+          </p:nvSpPr>
+          <p:spPr bwMode="auto">
+            <a:xfrm>
+              <a:off x="6773788" y="1429596"/>
+              <a:ext cx="306450" cy="487804"/>
+            </a:xfrm>
+            <a:prstGeom prst="rect">
+              <a:avLst/>
+            </a:prstGeom>
+            <a:ln>
+              <a:noFill/>
+              <a:prstDash val="dash"/>
+              <a:headEnd/>
+              <a:tailEnd/>
+            </a:ln>
+          </p:spPr>
+          <p:style>
+            <a:lnRef idx="2">
+              <a:schemeClr val="accent3"/>
+            </a:lnRef>
+            <a:fillRef idx="1">
+              <a:schemeClr val="lt1"/>
+            </a:fillRef>
+            <a:effectRef idx="0">
+              <a:schemeClr val="accent3"/>
+            </a:effectRef>
+            <a:fontRef idx="minor">
+              <a:schemeClr val="dk1"/>
+            </a:fontRef>
+          </p:style>
+          <p:txBody>
+            <a:bodyPr wrap="square">
+              <a:spAutoFit/>
+            </a:bodyPr>
+            <a:lstStyle/>
+            <a:p>
+              <a:pPr algn="ctr"/>
+              <a:r>
+                <a:rPr lang="en-US" sz="600" dirty="0">
+                  <a:solidFill>
+                    <a:srgbClr val="6F2927"/>
+                  </a:solidFill>
+                  <a:latin typeface="Helvetica Neue"/>
+                  <a:ea typeface="Verdana" pitchFamily="34" charset="0"/>
+                  <a:cs typeface="Helvetica Neue"/>
+                </a:rPr>
+                <a:t>Security Group</a:t>
+              </a:r>
+            </a:p>
+          </p:txBody>
+        </p:sp>
+      </p:grpSp>
+      <p:sp>
+        <p:nvSpPr>
+          <p:cNvPr id="44" name="Title 43">
+            <a:extLst>
+              <a:ext uri="{FF2B5EF4-FFF2-40B4-BE49-F238E27FC236}">
+                <a16:creationId xmlns:a16="http://schemas.microsoft.com/office/drawing/2014/main" id="{F57E519D-E1B7-3A43-8B77-306FD4B87114}"/>
+              </a:ext>
+            </a:extLst>
+          </p:cNvPr>
+          <p:cNvSpPr>
+            <a:spLocks noGrp="1"/>
+          </p:cNvSpPr>
+          <p:nvPr>
+            <p:ph type="title"/>
+          </p:nvPr>
+        </p:nvSpPr>
+        <p:spPr>
+          <a:xfrm>
+            <a:off x="199692" y="121241"/>
+            <a:ext cx="7886700" cy="359524"/>
+          </a:xfrm>
+        </p:spPr>
+        <p:txBody>
+          <a:bodyPr>
+            <a:noAutofit/>
+          </a:bodyPr>
+          <a:lstStyle/>
+          <a:p>
+            <a:r>
+              <a:rPr lang="en-US" sz="2100" b="1" dirty="0"/>
+              <a:t>Hyperledger Fabric on Kubernetes – the </a:t>
+            </a:r>
+            <a:r>
+              <a:rPr lang="en-US" sz="2100" b="1" dirty="0" err="1"/>
+              <a:t>Orderer</a:t>
+            </a:r>
+            <a:r>
+              <a:rPr lang="en-US" sz="2100" b="1" dirty="0"/>
+              <a:t> </a:t>
+            </a:r>
+            <a:r>
+              <a:rPr lang="en-US" sz="2100" b="1" dirty="0" err="1"/>
+              <a:t>Organisation</a:t>
+            </a:r>
+            <a:endParaRPr lang="en-US" sz="2100" b="1" dirty="0"/>
+          </a:p>
+        </p:txBody>
+      </p:sp>
+      <p:sp>
+        <p:nvSpPr>
+          <p:cNvPr id="43" name="Rounded Rectangle 42">
+            <a:extLst>
+              <a:ext uri="{FF2B5EF4-FFF2-40B4-BE49-F238E27FC236}">
+                <a16:creationId xmlns:a16="http://schemas.microsoft.com/office/drawing/2014/main" id="{A343A7C1-6482-ED4D-8D4D-D77B1140129D}"/>
+              </a:ext>
+            </a:extLst>
+          </p:cNvPr>
+          <p:cNvSpPr/>
+          <p:nvPr/>
+        </p:nvSpPr>
+        <p:spPr>
+          <a:xfrm>
+            <a:off x="2448910" y="1268436"/>
+            <a:ext cx="3699436" cy="3217670"/>
+          </a:xfrm>
+          <a:prstGeom prst="roundRect">
+            <a:avLst>
+              <a:gd name="adj" fmla="val 9818"/>
+            </a:avLst>
+          </a:prstGeom>
+          <a:noFill/>
+          <a:ln w="6350">
+            <a:solidFill>
+              <a:schemeClr val="tx1"/>
+            </a:solidFill>
+            <a:prstDash val="solid"/>
+          </a:ln>
+          <a:effectLst/>
+        </p:spPr>
+        <p:style>
+          <a:lnRef idx="1">
+            <a:schemeClr val="accent1"/>
+          </a:lnRef>
+          <a:fillRef idx="3">
+            <a:schemeClr val="accent1"/>
+          </a:fillRef>
+          <a:effectRef idx="2">
+            <a:schemeClr val="accent1"/>
+          </a:effectRef>
+          <a:fontRef idx="minor">
+            <a:schemeClr val="lt1"/>
+          </a:fontRef>
+        </p:style>
+        <p:txBody>
+          <a:bodyPr anchor="ctr"/>
+          <a:lstStyle/>
+          <a:p>
+            <a:pPr algn="ctr">
+              <a:defRPr/>
+            </a:pPr>
+            <a:endParaRPr lang="en-US" sz="1350" dirty="0">
+              <a:solidFill>
+                <a:schemeClr val="tx1"/>
+              </a:solidFill>
+              <a:latin typeface="Arial"/>
+              <a:cs typeface="Arial"/>
+            </a:endParaRPr>
+          </a:p>
+        </p:txBody>
+      </p:sp>
+      <p:pic>
+        <p:nvPicPr>
+          <p:cNvPr id="45" name="Picture 44" descr="VPC-Cloud.png">
+            <a:extLst>
+              <a:ext uri="{FF2B5EF4-FFF2-40B4-BE49-F238E27FC236}">
+                <a16:creationId xmlns:a16="http://schemas.microsoft.com/office/drawing/2014/main" id="{B3C998F7-D92A-8249-A0FC-C4DD4AC75C1B}"/>
+              </a:ext>
+            </a:extLst>
+          </p:cNvPr>
+          <p:cNvPicPr>
+            <a:picLocks noChangeAspect="1"/>
+          </p:cNvPicPr>
+          <p:nvPr/>
+        </p:nvPicPr>
+        <p:blipFill>
+          <a:blip r:embed="rId3">
+            <a:extLst>
+              <a:ext uri="{28A0092B-C50C-407E-A947-70E740481C1C}">
+                <a14:useLocalDpi xmlns:a14="http://schemas.microsoft.com/office/drawing/2010/main" val="0"/>
+              </a:ext>
+            </a:extLst>
+          </a:blip>
+          <a:stretch>
+            <a:fillRect/>
+          </a:stretch>
+        </p:blipFill>
+        <p:spPr>
+          <a:xfrm>
+            <a:off x="2802296" y="961668"/>
+            <a:ext cx="449378" cy="449378"/>
+          </a:xfrm>
+          <a:prstGeom prst="rect">
+            <a:avLst/>
+          </a:prstGeom>
+        </p:spPr>
+      </p:pic>
+      <p:grpSp>
+        <p:nvGrpSpPr>
+          <p:cNvPr id="46" name="Group 45">
+            <a:extLst>
+              <a:ext uri="{FF2B5EF4-FFF2-40B4-BE49-F238E27FC236}">
+                <a16:creationId xmlns:a16="http://schemas.microsoft.com/office/drawing/2014/main" id="{7A7EC681-7CB4-C744-96B4-22E9B811F72B}"/>
+              </a:ext>
+            </a:extLst>
+          </p:cNvPr>
+          <p:cNvGrpSpPr/>
+          <p:nvPr/>
+        </p:nvGrpSpPr>
+        <p:grpSpPr>
+          <a:xfrm>
+            <a:off x="2526440" y="1351666"/>
+            <a:ext cx="1596890" cy="3095517"/>
+            <a:chOff x="2549525" y="760413"/>
+            <a:chExt cx="1689100" cy="1738034"/>
+          </a:xfrm>
+        </p:grpSpPr>
+        <p:sp>
+          <p:nvSpPr>
+            <p:cNvPr id="47" name="Rounded Rectangle 46">
+              <a:extLst>
+                <a:ext uri="{FF2B5EF4-FFF2-40B4-BE49-F238E27FC236}">
+                  <a16:creationId xmlns:a16="http://schemas.microsoft.com/office/drawing/2014/main" id="{24AB0A6E-FC99-B240-AE31-F0A5F5A8441B}"/>
+                </a:ext>
+              </a:extLst>
+            </p:cNvPr>
+            <p:cNvSpPr/>
+            <p:nvPr/>
+          </p:nvSpPr>
+          <p:spPr>
+            <a:xfrm>
+              <a:off x="2549525" y="760413"/>
+              <a:ext cx="1689100" cy="1733550"/>
+            </a:xfrm>
+            <a:prstGeom prst="roundRect">
+              <a:avLst>
+                <a:gd name="adj" fmla="val 9818"/>
+              </a:avLst>
+            </a:prstGeom>
+            <a:noFill/>
+            <a:ln w="19050">
+              <a:solidFill>
+                <a:srgbClr val="F7981F"/>
+              </a:solidFill>
+              <a:prstDash val="lgDash"/>
+            </a:ln>
+            <a:effectLst/>
+          </p:spPr>
+          <p:style>
+            <a:lnRef idx="1">
+              <a:schemeClr val="accent1"/>
+            </a:lnRef>
+            <a:fillRef idx="3">
+              <a:schemeClr val="accent1"/>
+            </a:fillRef>
+            <a:effectRef idx="2">
+              <a:schemeClr val="accent1"/>
+            </a:effectRef>
+            <a:fontRef idx="minor">
+              <a:schemeClr val="lt1"/>
+            </a:fontRef>
+          </p:style>
+          <p:txBody>
+            <a:bodyPr anchor="ctr"/>
+            <a:lstStyle/>
+            <a:p>
+              <a:pPr algn="ctr">
+                <a:defRPr/>
+              </a:pPr>
+              <a:endParaRPr lang="en-US" sz="1350" dirty="0">
+                <a:solidFill>
+                  <a:schemeClr val="tx1"/>
+                </a:solidFill>
+                <a:latin typeface="Helvetica Neue"/>
+                <a:cs typeface="Helvetica Neue"/>
+              </a:endParaRPr>
+            </a:p>
+          </p:txBody>
+        </p:sp>
+        <p:sp>
+          <p:nvSpPr>
+            <p:cNvPr id="48" name="TextBox 32">
+              <a:extLst>
+                <a:ext uri="{FF2B5EF4-FFF2-40B4-BE49-F238E27FC236}">
+                  <a16:creationId xmlns:a16="http://schemas.microsoft.com/office/drawing/2014/main" id="{D468229B-A7A9-C74E-8D1D-74C0E2C943BB}"/>
+                </a:ext>
+              </a:extLst>
+            </p:cNvPr>
+            <p:cNvSpPr txBox="1">
+              <a:spLocks noChangeArrowheads="1"/>
+            </p:cNvSpPr>
+            <p:nvPr/>
+          </p:nvSpPr>
+          <p:spPr bwMode="auto">
+            <a:xfrm>
+              <a:off x="2615406" y="2388282"/>
+              <a:ext cx="1557338" cy="110165"/>
+            </a:xfrm>
+            <a:prstGeom prst="rect">
+              <a:avLst/>
+            </a:prstGeom>
+            <a:noFill/>
+            <a:ln w="9525">
+              <a:noFill/>
+              <a:miter lim="800000"/>
+              <a:headEnd/>
+              <a:tailEnd/>
+            </a:ln>
+          </p:spPr>
+          <p:txBody>
+            <a:bodyPr>
+              <a:spAutoFit/>
+            </a:bodyPr>
+            <a:lstStyle/>
+            <a:p>
+              <a:pPr algn="ctr"/>
+              <a:r>
+                <a:rPr lang="en-US" sz="675" b="1" dirty="0">
+                  <a:solidFill>
+                    <a:srgbClr val="F7981F"/>
+                  </a:solidFill>
+                  <a:latin typeface="Helvetica Neue"/>
+                  <a:ea typeface="Verdana" pitchFamily="34" charset="0"/>
+                  <a:cs typeface="Helvetica Neue"/>
+                </a:rPr>
+                <a:t>AZ: us-west-2a</a:t>
+              </a:r>
+            </a:p>
+          </p:txBody>
+        </p:sp>
+      </p:grpSp>
+      <p:sp>
+        <p:nvSpPr>
+          <p:cNvPr id="60" name="Rounded Rectangle 59">
+            <a:extLst>
+              <a:ext uri="{FF2B5EF4-FFF2-40B4-BE49-F238E27FC236}">
+                <a16:creationId xmlns:a16="http://schemas.microsoft.com/office/drawing/2014/main" id="{FCD86E60-819F-D147-83E1-ABE52FB04C78}"/>
+              </a:ext>
+            </a:extLst>
+          </p:cNvPr>
+          <p:cNvSpPr/>
+          <p:nvPr/>
+        </p:nvSpPr>
+        <p:spPr>
+          <a:xfrm>
+            <a:off x="2571700" y="2563392"/>
+            <a:ext cx="1488768" cy="1704512"/>
+          </a:xfrm>
+          <a:prstGeom prst="roundRect">
+            <a:avLst>
+              <a:gd name="adj" fmla="val 9818"/>
+            </a:avLst>
+          </a:prstGeom>
+          <a:noFill/>
+          <a:ln w="6350">
+            <a:solidFill>
+              <a:schemeClr val="tx1"/>
+            </a:solidFill>
+            <a:prstDash val="solid"/>
+          </a:ln>
+          <a:effectLst/>
+        </p:spPr>
+        <p:style>
+          <a:lnRef idx="1">
+            <a:schemeClr val="accent1"/>
+          </a:lnRef>
+          <a:fillRef idx="3">
+            <a:schemeClr val="accent1"/>
+          </a:fillRef>
+          <a:effectRef idx="2">
+            <a:schemeClr val="accent1"/>
+          </a:effectRef>
+          <a:fontRef idx="minor">
+            <a:schemeClr val="lt1"/>
+          </a:fontRef>
+        </p:style>
+        <p:txBody>
+          <a:bodyPr anchor="ctr"/>
+          <a:lstStyle/>
+          <a:p>
+            <a:pPr algn="ctr">
+              <a:defRPr/>
+            </a:pPr>
+            <a:endParaRPr lang="en-US" sz="1350" dirty="0">
+              <a:solidFill>
+                <a:schemeClr val="tx1"/>
+              </a:solidFill>
+              <a:latin typeface="Helvetica Neue"/>
+              <a:cs typeface="Helvetica Neue"/>
+            </a:endParaRPr>
+          </a:p>
+        </p:txBody>
+      </p:sp>
+      <p:sp>
+        <p:nvSpPr>
+          <p:cNvPr id="61" name="TextBox 37">
+            <a:extLst>
+              <a:ext uri="{FF2B5EF4-FFF2-40B4-BE49-F238E27FC236}">
+                <a16:creationId xmlns:a16="http://schemas.microsoft.com/office/drawing/2014/main" id="{A23B454C-C4C5-B641-A7C7-3E0EFD117CF6}"/>
+              </a:ext>
+            </a:extLst>
+          </p:cNvPr>
+          <p:cNvSpPr txBox="1">
+            <a:spLocks noChangeArrowheads="1"/>
+          </p:cNvSpPr>
+          <p:nvPr/>
+        </p:nvSpPr>
+        <p:spPr bwMode="auto">
+          <a:xfrm>
+            <a:off x="2736776" y="4091689"/>
+            <a:ext cx="1181898" cy="196208"/>
+          </a:xfrm>
+          <a:prstGeom prst="rect">
+            <a:avLst/>
+          </a:prstGeom>
+          <a:noFill/>
+          <a:ln w="9525">
+            <a:noFill/>
+            <a:miter lim="800000"/>
+            <a:headEnd/>
+            <a:tailEnd/>
+          </a:ln>
+        </p:spPr>
+        <p:txBody>
+          <a:bodyPr wrap="square">
+            <a:spAutoFit/>
+          </a:bodyPr>
+          <a:lstStyle/>
+          <a:p>
+            <a:pPr algn="ctr"/>
+            <a:r>
+              <a:rPr lang="en-US" sz="675" dirty="0">
+                <a:latin typeface="Helvetica Neue"/>
+                <a:ea typeface="Verdana" pitchFamily="34" charset="0"/>
+                <a:cs typeface="Helvetica Neue"/>
+              </a:rPr>
+              <a:t>private subnet</a:t>
+            </a:r>
+          </a:p>
+        </p:txBody>
+      </p:sp>
+      <p:sp>
+        <p:nvSpPr>
+          <p:cNvPr id="105" name="Rounded Rectangle 104">
+            <a:extLst>
+              <a:ext uri="{FF2B5EF4-FFF2-40B4-BE49-F238E27FC236}">
+                <a16:creationId xmlns:a16="http://schemas.microsoft.com/office/drawing/2014/main" id="{514B04A5-61E1-EB47-9F5B-2820FD4C0859}"/>
+              </a:ext>
+            </a:extLst>
+          </p:cNvPr>
+          <p:cNvSpPr/>
+          <p:nvPr/>
+        </p:nvSpPr>
+        <p:spPr bwMode="auto">
+          <a:xfrm>
+            <a:off x="2802297" y="2988220"/>
+            <a:ext cx="3081846" cy="790526"/>
+          </a:xfrm>
+          <a:prstGeom prst="roundRect">
+            <a:avLst>
+              <a:gd name="adj" fmla="val 9818"/>
+            </a:avLst>
+          </a:prstGeom>
+          <a:noFill/>
+          <a:ln w="19050">
+            <a:solidFill>
+              <a:srgbClr val="FF0000"/>
+            </a:solidFill>
+            <a:prstDash val="dashDot"/>
+          </a:ln>
+          <a:effectLst/>
+        </p:spPr>
+        <p:style>
+          <a:lnRef idx="1">
+            <a:schemeClr val="accent1"/>
+          </a:lnRef>
+          <a:fillRef idx="3">
+            <a:schemeClr val="accent1"/>
+          </a:fillRef>
+          <a:effectRef idx="2">
+            <a:schemeClr val="accent1"/>
+          </a:effectRef>
+          <a:fontRef idx="minor">
+            <a:schemeClr val="lt1"/>
+          </a:fontRef>
+        </p:style>
+        <p:txBody>
+          <a:bodyPr anchor="ctr"/>
+          <a:lstStyle/>
+          <a:p>
+            <a:pPr algn="ctr">
+              <a:defRPr/>
+            </a:pPr>
+            <a:endParaRPr lang="en-US" sz="1350" dirty="0">
+              <a:solidFill>
+                <a:schemeClr val="tx1"/>
+              </a:solidFill>
+              <a:latin typeface="Helvetica Neue"/>
+              <a:cs typeface="Helvetica Neue"/>
+            </a:endParaRPr>
+          </a:p>
+        </p:txBody>
+      </p:sp>
+      <p:pic>
+        <p:nvPicPr>
+          <p:cNvPr id="116" name="Picture 115">
+            <a:extLst>
+              <a:ext uri="{FF2B5EF4-FFF2-40B4-BE49-F238E27FC236}">
+                <a16:creationId xmlns:a16="http://schemas.microsoft.com/office/drawing/2014/main" id="{6EC0B185-28DC-C143-88BB-E440A2256CE3}"/>
+              </a:ext>
+            </a:extLst>
+          </p:cNvPr>
+          <p:cNvPicPr>
+            <a:picLocks noChangeAspect="1"/>
+          </p:cNvPicPr>
+          <p:nvPr/>
+        </p:nvPicPr>
+        <p:blipFill>
+          <a:blip r:embed="rId4"/>
+          <a:stretch>
+            <a:fillRect/>
+          </a:stretch>
+        </p:blipFill>
+        <p:spPr>
+          <a:xfrm>
+            <a:off x="2854066" y="2444331"/>
+            <a:ext cx="161925" cy="180975"/>
+          </a:xfrm>
+          <a:prstGeom prst="rect">
+            <a:avLst/>
+          </a:prstGeom>
+        </p:spPr>
+      </p:pic>
+      <p:grpSp>
+        <p:nvGrpSpPr>
+          <p:cNvPr id="53" name="Group 52">
+            <a:extLst>
+              <a:ext uri="{FF2B5EF4-FFF2-40B4-BE49-F238E27FC236}">
+                <a16:creationId xmlns:a16="http://schemas.microsoft.com/office/drawing/2014/main" id="{857006F9-6F85-794A-B1A1-464040A5D942}"/>
+              </a:ext>
+            </a:extLst>
+          </p:cNvPr>
+          <p:cNvGrpSpPr/>
+          <p:nvPr/>
+        </p:nvGrpSpPr>
+        <p:grpSpPr>
+          <a:xfrm>
+            <a:off x="2580288" y="1587052"/>
+            <a:ext cx="1453961" cy="869232"/>
+            <a:chOff x="4614166" y="2802748"/>
+            <a:chExt cx="1752600" cy="1858455"/>
+          </a:xfrm>
+        </p:grpSpPr>
+        <p:sp>
+          <p:nvSpPr>
+            <p:cNvPr id="55" name="Rounded Rectangle 54">
+              <a:extLst>
+                <a:ext uri="{FF2B5EF4-FFF2-40B4-BE49-F238E27FC236}">
+                  <a16:creationId xmlns:a16="http://schemas.microsoft.com/office/drawing/2014/main" id="{EE27842C-9F4D-BA49-9D08-C452B3032C2E}"/>
+                </a:ext>
+              </a:extLst>
+            </p:cNvPr>
+            <p:cNvSpPr/>
+            <p:nvPr/>
+          </p:nvSpPr>
+          <p:spPr>
+            <a:xfrm>
+              <a:off x="4614166" y="2802748"/>
+              <a:ext cx="1752600" cy="1733550"/>
+            </a:xfrm>
+            <a:prstGeom prst="roundRect">
+              <a:avLst>
+                <a:gd name="adj" fmla="val 9818"/>
+              </a:avLst>
+            </a:prstGeom>
+            <a:noFill/>
+            <a:ln w="6350">
+              <a:solidFill>
+                <a:schemeClr val="tx1"/>
+              </a:solidFill>
+              <a:prstDash val="solid"/>
+            </a:ln>
+            <a:effectLst/>
+          </p:spPr>
+          <p:style>
+            <a:lnRef idx="1">
+              <a:schemeClr val="accent1"/>
+            </a:lnRef>
+            <a:fillRef idx="3">
+              <a:schemeClr val="accent1"/>
+            </a:fillRef>
+            <a:effectRef idx="2">
+              <a:schemeClr val="accent1"/>
+            </a:effectRef>
+            <a:fontRef idx="minor">
+              <a:schemeClr val="lt1"/>
+            </a:fontRef>
+          </p:style>
+          <p:txBody>
+            <a:bodyPr anchor="ctr"/>
+            <a:lstStyle/>
+            <a:p>
+              <a:pPr algn="ctr">
+                <a:defRPr/>
+              </a:pPr>
+              <a:endParaRPr lang="en-US" sz="1350" dirty="0">
+                <a:solidFill>
+                  <a:schemeClr val="tx1"/>
+                </a:solidFill>
+                <a:latin typeface="Helvetica Neue"/>
+                <a:cs typeface="Helvetica Neue"/>
+              </a:endParaRPr>
+            </a:p>
+          </p:txBody>
+        </p:sp>
+        <p:sp>
+          <p:nvSpPr>
+            <p:cNvPr id="56" name="TextBox 37">
+              <a:extLst>
+                <a:ext uri="{FF2B5EF4-FFF2-40B4-BE49-F238E27FC236}">
+                  <a16:creationId xmlns:a16="http://schemas.microsoft.com/office/drawing/2014/main" id="{7A6C0770-88CE-FC44-A74D-91A9B32D5E7D}"/>
+                </a:ext>
+              </a:extLst>
+            </p:cNvPr>
+            <p:cNvSpPr txBox="1">
+              <a:spLocks noChangeArrowheads="1"/>
+            </p:cNvSpPr>
+            <p:nvPr/>
+          </p:nvSpPr>
+          <p:spPr bwMode="auto">
+            <a:xfrm>
+              <a:off x="4774940" y="4241702"/>
+              <a:ext cx="1555750" cy="419501"/>
+            </a:xfrm>
+            <a:prstGeom prst="rect">
+              <a:avLst/>
+            </a:prstGeom>
+            <a:noFill/>
+            <a:ln w="9525">
+              <a:noFill/>
+              <a:miter lim="800000"/>
+              <a:headEnd/>
+              <a:tailEnd/>
+            </a:ln>
+          </p:spPr>
+          <p:txBody>
+            <a:bodyPr>
+              <a:spAutoFit/>
+            </a:bodyPr>
+            <a:lstStyle/>
+            <a:p>
+              <a:pPr algn="ctr"/>
+              <a:r>
+                <a:rPr lang="en-US" sz="675" dirty="0">
+                  <a:latin typeface="Helvetica Neue"/>
+                  <a:ea typeface="Verdana" pitchFamily="34" charset="0"/>
+                  <a:cs typeface="Helvetica Neue"/>
+                </a:rPr>
+                <a:t>public subnet</a:t>
+              </a:r>
+            </a:p>
+          </p:txBody>
+        </p:sp>
+      </p:grpSp>
+      <p:sp>
+        <p:nvSpPr>
+          <p:cNvPr id="99" name="TextBox 98">
+            <a:extLst>
+              <a:ext uri="{FF2B5EF4-FFF2-40B4-BE49-F238E27FC236}">
+                <a16:creationId xmlns:a16="http://schemas.microsoft.com/office/drawing/2014/main" id="{E7DFE24D-9EB9-A141-B42D-A20024E8CE9B}"/>
+              </a:ext>
+            </a:extLst>
+          </p:cNvPr>
+          <p:cNvSpPr txBox="1"/>
+          <p:nvPr/>
+        </p:nvSpPr>
+        <p:spPr>
+          <a:xfrm>
+            <a:off x="4014318" y="2054380"/>
+            <a:ext cx="578100" cy="180650"/>
+          </a:xfrm>
+          <a:prstGeom prst="rect">
+            <a:avLst/>
+          </a:prstGeom>
+          <a:noFill/>
+        </p:spPr>
+        <p:txBody>
+          <a:bodyPr wrap="square" lIns="0" tIns="0" rIns="0" bIns="0" rtlCol="0" anchor="t">
+            <a:noAutofit/>
+          </a:bodyPr>
+          <a:lstStyle/>
+          <a:p>
+            <a:pPr algn="ctr"/>
+            <a:r>
+              <a:rPr lang="en-US" sz="600" b="1" dirty="0"/>
+              <a:t>Network Load Balancer</a:t>
+            </a:r>
+          </a:p>
+        </p:txBody>
+      </p:sp>
+      <p:pic>
+        <p:nvPicPr>
+          <p:cNvPr id="100" name="Picture 99">
+            <a:extLst>
+              <a:ext uri="{FF2B5EF4-FFF2-40B4-BE49-F238E27FC236}">
+                <a16:creationId xmlns:a16="http://schemas.microsoft.com/office/drawing/2014/main" id="{8941F5B0-DB1E-0644-A206-60175E502FC8}"/>
+              </a:ext>
+            </a:extLst>
+          </p:cNvPr>
+          <p:cNvPicPr>
+            <a:picLocks noChangeAspect="1"/>
+          </p:cNvPicPr>
+          <p:nvPr/>
+        </p:nvPicPr>
+        <p:blipFill>
+          <a:blip r:embed="rId5">
+            <a:extLst>
+              <a:ext uri="{28A0092B-C50C-407E-A947-70E740481C1C}">
+                <a14:useLocalDpi xmlns:a14="http://schemas.microsoft.com/office/drawing/2010/main" val="0"/>
+              </a:ext>
+            </a:extLst>
+          </a:blip>
+          <a:stretch>
+            <a:fillRect/>
+          </a:stretch>
+        </p:blipFill>
+        <p:spPr>
+          <a:xfrm>
+            <a:off x="4160855" y="1764840"/>
+            <a:ext cx="259811" cy="270000"/>
+          </a:xfrm>
+          <a:prstGeom prst="rect">
+            <a:avLst/>
+          </a:prstGeom>
+        </p:spPr>
+      </p:pic>
+      <p:pic>
+        <p:nvPicPr>
+          <p:cNvPr id="117" name="Picture 116">
+            <a:extLst>
+              <a:ext uri="{FF2B5EF4-FFF2-40B4-BE49-F238E27FC236}">
+                <a16:creationId xmlns:a16="http://schemas.microsoft.com/office/drawing/2014/main" id="{9C768C08-B875-B745-9041-7A35639A88EF}"/>
+              </a:ext>
+            </a:extLst>
+          </p:cNvPr>
+          <p:cNvPicPr>
+            <a:picLocks noChangeAspect="1"/>
+          </p:cNvPicPr>
+          <p:nvPr/>
+        </p:nvPicPr>
+        <p:blipFill>
+          <a:blip r:embed="rId4"/>
+          <a:stretch>
+            <a:fillRect/>
+          </a:stretch>
+        </p:blipFill>
+        <p:spPr>
+          <a:xfrm>
+            <a:off x="2854067" y="1461748"/>
+            <a:ext cx="161925" cy="180975"/>
+          </a:xfrm>
+          <a:prstGeom prst="rect">
+            <a:avLst/>
+          </a:prstGeom>
+        </p:spPr>
+      </p:pic>
+      <p:pic>
+        <p:nvPicPr>
+          <p:cNvPr id="1028" name="Picture 4" descr="Related image">
+            <a:extLst>
+              <a:ext uri="{FF2B5EF4-FFF2-40B4-BE49-F238E27FC236}">
+                <a16:creationId xmlns:a16="http://schemas.microsoft.com/office/drawing/2014/main" id="{F442721E-039B-B147-A26C-03CF58CA01E5}"/>
+              </a:ext>
+            </a:extLst>
+          </p:cNvPr>
+          <p:cNvPicPr>
+            <a:picLocks noChangeAspect="1" noChangeArrowheads="1"/>
+          </p:cNvPicPr>
+          <p:nvPr/>
+        </p:nvPicPr>
+        <p:blipFill>
+          <a:blip r:embed="rId6">
+            <a:extLst>
+              <a:ext uri="{28A0092B-C50C-407E-A947-70E740481C1C}">
+                <a14:useLocalDpi xmlns:a14="http://schemas.microsoft.com/office/drawing/2010/main" val="0"/>
+              </a:ext>
+            </a:extLst>
+          </a:blip>
+          <a:srcRect/>
+          <a:stretch>
+            <a:fillRect/>
+          </a:stretch>
+        </p:blipFill>
+        <p:spPr bwMode="auto">
+          <a:xfrm>
+            <a:off x="5373104" y="2586747"/>
+            <a:ext cx="448991" cy="368173"/>
+          </a:xfrm>
+          <a:prstGeom prst="rect">
+            <a:avLst/>
+          </a:prstGeom>
+          <a:noFill/>
+          <a:extLst>
+            <a:ext uri="{909E8E84-426E-40DD-AFC4-6F175D3DCCD1}">
+              <a14:hiddenFill xmlns:a14="http://schemas.microsoft.com/office/drawing/2010/main">
+                <a:solidFill>
+                  <a:srgbClr val="FFFFFF"/>
+                </a:solidFill>
+              </a14:hiddenFill>
+            </a:ext>
+          </a:extLst>
+        </p:spPr>
+      </p:pic>
+      <p:grpSp>
+        <p:nvGrpSpPr>
+          <p:cNvPr id="28" name="Group 27">
+            <a:extLst>
+              <a:ext uri="{FF2B5EF4-FFF2-40B4-BE49-F238E27FC236}">
+                <a16:creationId xmlns:a16="http://schemas.microsoft.com/office/drawing/2014/main" id="{F95BE6A3-9012-ED46-A502-5714DB733ABA}"/>
+              </a:ext>
+            </a:extLst>
+          </p:cNvPr>
+          <p:cNvGrpSpPr/>
+          <p:nvPr/>
+        </p:nvGrpSpPr>
+        <p:grpSpPr>
+          <a:xfrm>
+            <a:off x="3114285" y="3020155"/>
+            <a:ext cx="981196" cy="799781"/>
+            <a:chOff x="1724620" y="3715170"/>
+            <a:chExt cx="1308261" cy="1066375"/>
+          </a:xfrm>
+        </p:grpSpPr>
+        <p:grpSp>
+          <p:nvGrpSpPr>
+            <p:cNvPr id="75" name="Group 74">
+              <a:extLst>
+                <a:ext uri="{FF2B5EF4-FFF2-40B4-BE49-F238E27FC236}">
+                  <a16:creationId xmlns:a16="http://schemas.microsoft.com/office/drawing/2014/main" id="{BE15B145-4BC7-B346-B0DB-BAC6C721BF7C}"/>
+                </a:ext>
+              </a:extLst>
+            </p:cNvPr>
+            <p:cNvGrpSpPr/>
+            <p:nvPr/>
+          </p:nvGrpSpPr>
+          <p:grpSpPr>
+            <a:xfrm>
+              <a:off x="2118481" y="3715170"/>
+              <a:ext cx="914400" cy="533400"/>
+              <a:chOff x="1066800" y="2338685"/>
+              <a:chExt cx="914400" cy="533400"/>
+            </a:xfrm>
+          </p:grpSpPr>
+          <p:pic>
+            <p:nvPicPr>
+              <p:cNvPr id="76" name="Picture 75" descr="EC2-Instance.png">
+                <a:extLst>
+                  <a:ext uri="{FF2B5EF4-FFF2-40B4-BE49-F238E27FC236}">
+                    <a16:creationId xmlns:a16="http://schemas.microsoft.com/office/drawing/2014/main" id="{D78ECD42-027F-4347-86FE-E1B84148F8F1}"/>
+                  </a:ext>
+                </a:extLst>
+              </p:cNvPr>
+              <p:cNvPicPr>
+                <a:picLocks noChangeAspect="1"/>
+              </p:cNvPicPr>
+              <p:nvPr/>
+            </p:nvPicPr>
+            <p:blipFill>
+              <a:blip r:embed="rId7">
+                <a:extLst>
+                  <a:ext uri="{28A0092B-C50C-407E-A947-70E740481C1C}">
+                    <a14:useLocalDpi xmlns:a14="http://schemas.microsoft.com/office/drawing/2010/main" val="0"/>
+                  </a:ext>
+                </a:extLst>
+              </a:blip>
+              <a:stretch>
+                <a:fillRect/>
+              </a:stretch>
+            </p:blipFill>
+            <p:spPr>
+              <a:xfrm>
+                <a:off x="1263651" y="2338685"/>
+                <a:ext cx="533400" cy="533400"/>
+              </a:xfrm>
+              <a:prstGeom prst="rect">
+                <a:avLst/>
+              </a:prstGeom>
+            </p:spPr>
+          </p:pic>
+          <p:sp>
+            <p:nvSpPr>
+              <p:cNvPr id="77" name="TextBox 76">
+                <a:extLst>
+                  <a:ext uri="{FF2B5EF4-FFF2-40B4-BE49-F238E27FC236}">
+                    <a16:creationId xmlns:a16="http://schemas.microsoft.com/office/drawing/2014/main" id="{2E548A07-551C-2E42-8251-0B3FDD0591DC}"/>
+                  </a:ext>
+                </a:extLst>
+              </p:cNvPr>
+              <p:cNvSpPr txBox="1"/>
+              <p:nvPr/>
+            </p:nvSpPr>
+            <p:spPr>
+              <a:xfrm>
+                <a:off x="1066800" y="2516716"/>
+                <a:ext cx="914400" cy="123111"/>
+              </a:xfrm>
+              <a:prstGeom prst="rect">
+                <a:avLst/>
+              </a:prstGeom>
+              <a:noFill/>
+            </p:spPr>
+            <p:txBody>
+              <a:bodyPr wrap="square" lIns="0" tIns="0" rIns="0" bIns="0" rtlCol="0">
+                <a:spAutoFit/>
+              </a:bodyPr>
+              <a:lstStyle/>
+              <a:p>
+                <a:pPr algn="ctr"/>
+                <a:r>
+                  <a:rPr lang="en-US" sz="600" dirty="0">
+                    <a:latin typeface="Helvetica Neue"/>
+                    <a:cs typeface="Helvetica Neue"/>
+                  </a:rPr>
+                  <a:t>POD</a:t>
+                </a:r>
+              </a:p>
+            </p:txBody>
+          </p:sp>
+        </p:grpSp>
+        <p:grpSp>
+          <p:nvGrpSpPr>
+            <p:cNvPr id="78" name="Group 77">
+              <a:extLst>
+                <a:ext uri="{FF2B5EF4-FFF2-40B4-BE49-F238E27FC236}">
+                  <a16:creationId xmlns:a16="http://schemas.microsoft.com/office/drawing/2014/main" id="{5803FDEB-E9B2-D446-9682-1799944B6498}"/>
+                </a:ext>
+              </a:extLst>
+            </p:cNvPr>
+            <p:cNvGrpSpPr/>
+            <p:nvPr/>
+          </p:nvGrpSpPr>
+          <p:grpSpPr>
+            <a:xfrm>
+              <a:off x="1724620" y="4044929"/>
+              <a:ext cx="914400" cy="533400"/>
+              <a:chOff x="1066800" y="2338685"/>
+              <a:chExt cx="914400" cy="533400"/>
+            </a:xfrm>
+          </p:grpSpPr>
+          <p:pic>
+            <p:nvPicPr>
+              <p:cNvPr id="79" name="Picture 78" descr="EC2-Instance.png">
+                <a:extLst>
+                  <a:ext uri="{FF2B5EF4-FFF2-40B4-BE49-F238E27FC236}">
+                    <a16:creationId xmlns:a16="http://schemas.microsoft.com/office/drawing/2014/main" id="{0C1CB052-B5A5-A343-92C1-DF7FE4E51F06}"/>
+                  </a:ext>
+                </a:extLst>
+              </p:cNvPr>
+              <p:cNvPicPr>
+                <a:picLocks noChangeAspect="1"/>
+              </p:cNvPicPr>
+              <p:nvPr/>
+            </p:nvPicPr>
+            <p:blipFill>
+              <a:blip r:embed="rId7">
+                <a:extLst>
+                  <a:ext uri="{28A0092B-C50C-407E-A947-70E740481C1C}">
+                    <a14:useLocalDpi xmlns:a14="http://schemas.microsoft.com/office/drawing/2010/main" val="0"/>
+                  </a:ext>
+                </a:extLst>
+              </a:blip>
+              <a:stretch>
+                <a:fillRect/>
+              </a:stretch>
+            </p:blipFill>
+            <p:spPr>
+              <a:xfrm>
+                <a:off x="1263651" y="2338685"/>
+                <a:ext cx="533400" cy="533400"/>
+              </a:xfrm>
+              <a:prstGeom prst="rect">
+                <a:avLst/>
+              </a:prstGeom>
+            </p:spPr>
+          </p:pic>
+          <p:sp>
+            <p:nvSpPr>
+              <p:cNvPr id="80" name="TextBox 79">
+                <a:extLst>
+                  <a:ext uri="{FF2B5EF4-FFF2-40B4-BE49-F238E27FC236}">
+                    <a16:creationId xmlns:a16="http://schemas.microsoft.com/office/drawing/2014/main" id="{DFDEB789-CCE3-3B4D-ABA9-2427CE86B6D3}"/>
+                  </a:ext>
+                </a:extLst>
+              </p:cNvPr>
+              <p:cNvSpPr txBox="1"/>
+              <p:nvPr/>
+            </p:nvSpPr>
+            <p:spPr>
+              <a:xfrm>
+                <a:off x="1066800" y="2516716"/>
+                <a:ext cx="914400" cy="123111"/>
+              </a:xfrm>
+              <a:prstGeom prst="rect">
+                <a:avLst/>
+              </a:prstGeom>
+              <a:noFill/>
+            </p:spPr>
+            <p:txBody>
+              <a:bodyPr wrap="square" lIns="0" tIns="0" rIns="0" bIns="0" rtlCol="0">
+                <a:spAutoFit/>
+              </a:bodyPr>
+              <a:lstStyle/>
+              <a:p>
+                <a:pPr algn="ctr"/>
+                <a:r>
+                  <a:rPr lang="en-US" sz="600" dirty="0">
+                    <a:latin typeface="Helvetica Neue"/>
+                    <a:cs typeface="Helvetica Neue"/>
+                  </a:rPr>
+                  <a:t>POD</a:t>
+                </a:r>
+              </a:p>
+            </p:txBody>
+          </p:sp>
+        </p:grpSp>
+        <p:sp>
+          <p:nvSpPr>
+            <p:cNvPr id="128" name="TextBox 36">
+              <a:extLst>
+                <a:ext uri="{FF2B5EF4-FFF2-40B4-BE49-F238E27FC236}">
+                  <a16:creationId xmlns:a16="http://schemas.microsoft.com/office/drawing/2014/main" id="{F0D7F770-4B67-DE41-AD66-641B335407D1}"/>
+                </a:ext>
+              </a:extLst>
+            </p:cNvPr>
+            <p:cNvSpPr txBox="1">
+              <a:spLocks noChangeArrowheads="1"/>
+            </p:cNvSpPr>
+            <p:nvPr/>
+          </p:nvSpPr>
+          <p:spPr bwMode="auto">
+            <a:xfrm>
+              <a:off x="1936899" y="4519934"/>
+              <a:ext cx="891718" cy="261611"/>
+            </a:xfrm>
+            <a:prstGeom prst="rect">
+              <a:avLst/>
+            </a:prstGeom>
+            <a:noFill/>
+            <a:ln w="9525">
+              <a:noFill/>
+              <a:miter lim="800000"/>
+              <a:headEnd/>
+              <a:tailEnd/>
+            </a:ln>
+          </p:spPr>
+          <p:txBody>
+            <a:bodyPr wrap="square">
+              <a:spAutoFit/>
+            </a:bodyPr>
+            <a:lstStyle/>
+            <a:p>
+              <a:pPr algn="ctr"/>
+              <a:r>
+                <a:rPr lang="en-US" sz="675" b="1" dirty="0">
+                  <a:latin typeface="+mj-lt"/>
+                  <a:ea typeface="Verdana" pitchFamily="34" charset="0"/>
+                  <a:cs typeface="Helvetica Neue"/>
+                </a:rPr>
+                <a:t>EC2</a:t>
+              </a:r>
+            </a:p>
+          </p:txBody>
+        </p:sp>
+        <p:sp>
+          <p:nvSpPr>
+            <p:cNvPr id="129" name="Rounded Rectangle 128">
+              <a:extLst>
+                <a:ext uri="{FF2B5EF4-FFF2-40B4-BE49-F238E27FC236}">
+                  <a16:creationId xmlns:a16="http://schemas.microsoft.com/office/drawing/2014/main" id="{5CE1CFC8-AFB2-8241-B351-9D5624B7B7F7}"/>
+                </a:ext>
+              </a:extLst>
+            </p:cNvPr>
+            <p:cNvSpPr/>
+            <p:nvPr/>
+          </p:nvSpPr>
+          <p:spPr>
+            <a:xfrm>
+              <a:off x="1920341" y="3748243"/>
+              <a:ext cx="908277" cy="829075"/>
+            </a:xfrm>
+            <a:prstGeom prst="roundRect">
+              <a:avLst>
+                <a:gd name="adj" fmla="val 9818"/>
+              </a:avLst>
+            </a:prstGeom>
+            <a:noFill/>
+            <a:ln w="6350">
+              <a:solidFill>
+                <a:schemeClr val="tx1"/>
+              </a:solidFill>
+              <a:prstDash val="solid"/>
+            </a:ln>
+            <a:effectLst/>
+          </p:spPr>
+          <p:style>
+            <a:lnRef idx="1">
+              <a:schemeClr val="accent1"/>
+            </a:lnRef>
+            <a:fillRef idx="3">
+              <a:schemeClr val="accent1"/>
+            </a:fillRef>
+            <a:effectRef idx="2">
+              <a:schemeClr val="accent1"/>
+            </a:effectRef>
+            <a:fontRef idx="minor">
+              <a:schemeClr val="lt1"/>
+            </a:fontRef>
+          </p:style>
+          <p:txBody>
+            <a:bodyPr anchor="ctr"/>
+            <a:lstStyle/>
+            <a:p>
+              <a:pPr algn="ctr">
+                <a:defRPr/>
+              </a:pPr>
+              <a:endParaRPr lang="en-US" sz="1350" dirty="0">
+                <a:solidFill>
+                  <a:schemeClr val="tx1"/>
+                </a:solidFill>
+                <a:latin typeface="Arial"/>
+                <a:cs typeface="Arial"/>
+              </a:endParaRPr>
+            </a:p>
+          </p:txBody>
+        </p:sp>
+        <p:pic>
+          <p:nvPicPr>
+            <p:cNvPr id="130" name="Picture 129">
+              <a:extLst>
+                <a:ext uri="{FF2B5EF4-FFF2-40B4-BE49-F238E27FC236}">
+                  <a16:creationId xmlns:a16="http://schemas.microsoft.com/office/drawing/2014/main" id="{D3121BC6-F8E5-B64D-9CB5-146DE45EFC8F}"/>
+                </a:ext>
+              </a:extLst>
+            </p:cNvPr>
+            <p:cNvPicPr>
+              <a:picLocks noChangeAspect="1"/>
+            </p:cNvPicPr>
+            <p:nvPr/>
+          </p:nvPicPr>
+          <p:blipFill>
+            <a:blip r:embed="rId8">
+              <a:extLst>
+                <a:ext uri="{28A0092B-C50C-407E-A947-70E740481C1C}">
+                  <a14:useLocalDpi xmlns:a14="http://schemas.microsoft.com/office/drawing/2010/main" val="0"/>
+                </a:ext>
+              </a:extLst>
+            </a:blip>
+            <a:stretch>
+              <a:fillRect/>
+            </a:stretch>
+          </p:blipFill>
+          <p:spPr>
+            <a:xfrm>
+              <a:off x="2022780" y="3720411"/>
+              <a:ext cx="203405" cy="193178"/>
+            </a:xfrm>
+            <a:prstGeom prst="rect">
+              <a:avLst/>
+            </a:prstGeom>
+          </p:spPr>
+        </p:pic>
+      </p:grpSp>
+      <p:grpSp>
+        <p:nvGrpSpPr>
+          <p:cNvPr id="132" name="Group 131">
+            <a:extLst>
+              <a:ext uri="{FF2B5EF4-FFF2-40B4-BE49-F238E27FC236}">
+                <a16:creationId xmlns:a16="http://schemas.microsoft.com/office/drawing/2014/main" id="{ED758846-A621-DB47-8EAE-9CB01879ED07}"/>
+              </a:ext>
+            </a:extLst>
+          </p:cNvPr>
+          <p:cNvGrpSpPr/>
+          <p:nvPr/>
+        </p:nvGrpSpPr>
+        <p:grpSpPr>
+          <a:xfrm>
+            <a:off x="4511402" y="3020155"/>
+            <a:ext cx="981196" cy="799781"/>
+            <a:chOff x="1724620" y="3715170"/>
+            <a:chExt cx="1308261" cy="1066375"/>
+          </a:xfrm>
+        </p:grpSpPr>
+        <p:grpSp>
+          <p:nvGrpSpPr>
+            <p:cNvPr id="133" name="Group 132">
+              <a:extLst>
+                <a:ext uri="{FF2B5EF4-FFF2-40B4-BE49-F238E27FC236}">
+                  <a16:creationId xmlns:a16="http://schemas.microsoft.com/office/drawing/2014/main" id="{80416938-74C4-3549-A7B7-E9596124F066}"/>
+                </a:ext>
+              </a:extLst>
+            </p:cNvPr>
+            <p:cNvGrpSpPr/>
+            <p:nvPr/>
+          </p:nvGrpSpPr>
+          <p:grpSpPr>
+            <a:xfrm>
+              <a:off x="2118481" y="3715170"/>
+              <a:ext cx="914400" cy="533400"/>
+              <a:chOff x="1066800" y="2338685"/>
+              <a:chExt cx="914400" cy="533400"/>
+            </a:xfrm>
+          </p:grpSpPr>
+          <p:pic>
+            <p:nvPicPr>
+              <p:cNvPr id="140" name="Picture 139" descr="EC2-Instance.png">
+                <a:extLst>
+                  <a:ext uri="{FF2B5EF4-FFF2-40B4-BE49-F238E27FC236}">
+                    <a16:creationId xmlns:a16="http://schemas.microsoft.com/office/drawing/2014/main" id="{BBA9BF7D-9FEF-C041-BE90-6066A5621D0A}"/>
+                  </a:ext>
+                </a:extLst>
+              </p:cNvPr>
+              <p:cNvPicPr>
+                <a:picLocks noChangeAspect="1"/>
+              </p:cNvPicPr>
+              <p:nvPr/>
+            </p:nvPicPr>
+            <p:blipFill>
+              <a:blip r:embed="rId7">
+                <a:extLst>
+                  <a:ext uri="{28A0092B-C50C-407E-A947-70E740481C1C}">
+                    <a14:useLocalDpi xmlns:a14="http://schemas.microsoft.com/office/drawing/2010/main" val="0"/>
+                  </a:ext>
+                </a:extLst>
+              </a:blip>
+              <a:stretch>
+                <a:fillRect/>
+              </a:stretch>
+            </p:blipFill>
+            <p:spPr>
+              <a:xfrm>
+                <a:off x="1263651" y="2338685"/>
+                <a:ext cx="533400" cy="533400"/>
+              </a:xfrm>
+              <a:prstGeom prst="rect">
+                <a:avLst/>
+              </a:prstGeom>
+            </p:spPr>
+          </p:pic>
+          <p:sp>
+            <p:nvSpPr>
+              <p:cNvPr id="141" name="TextBox 140">
+                <a:extLst>
+                  <a:ext uri="{FF2B5EF4-FFF2-40B4-BE49-F238E27FC236}">
+                    <a16:creationId xmlns:a16="http://schemas.microsoft.com/office/drawing/2014/main" id="{54E35257-EFCC-A745-976F-452FB987F13F}"/>
+                  </a:ext>
+                </a:extLst>
+              </p:cNvPr>
+              <p:cNvSpPr txBox="1"/>
+              <p:nvPr/>
+            </p:nvSpPr>
+            <p:spPr>
+              <a:xfrm>
+                <a:off x="1066800" y="2516716"/>
+                <a:ext cx="914400" cy="123111"/>
+              </a:xfrm>
+              <a:prstGeom prst="rect">
+                <a:avLst/>
+              </a:prstGeom>
+              <a:noFill/>
+            </p:spPr>
+            <p:txBody>
+              <a:bodyPr wrap="square" lIns="0" tIns="0" rIns="0" bIns="0" rtlCol="0">
+                <a:spAutoFit/>
+              </a:bodyPr>
+              <a:lstStyle/>
+              <a:p>
+                <a:pPr algn="ctr"/>
+                <a:r>
+                  <a:rPr lang="en-US" sz="600" dirty="0">
+                    <a:latin typeface="Helvetica Neue"/>
+                    <a:cs typeface="Helvetica Neue"/>
+                  </a:rPr>
+                  <a:t>POD</a:t>
+                </a:r>
+              </a:p>
+            </p:txBody>
+          </p:sp>
+        </p:grpSp>
+        <p:grpSp>
+          <p:nvGrpSpPr>
+            <p:cNvPr id="134" name="Group 133">
+              <a:extLst>
+                <a:ext uri="{FF2B5EF4-FFF2-40B4-BE49-F238E27FC236}">
+                  <a16:creationId xmlns:a16="http://schemas.microsoft.com/office/drawing/2014/main" id="{93D8DE69-3065-F74D-907E-501B5504B43C}"/>
+                </a:ext>
+              </a:extLst>
+            </p:cNvPr>
+            <p:cNvGrpSpPr/>
+            <p:nvPr/>
+          </p:nvGrpSpPr>
+          <p:grpSpPr>
+            <a:xfrm>
+              <a:off x="1724620" y="4044929"/>
+              <a:ext cx="914400" cy="533400"/>
+              <a:chOff x="1066800" y="2338685"/>
+              <a:chExt cx="914400" cy="533400"/>
+            </a:xfrm>
+          </p:grpSpPr>
+          <p:pic>
+            <p:nvPicPr>
+              <p:cNvPr id="138" name="Picture 137" descr="EC2-Instance.png">
+                <a:extLst>
+                  <a:ext uri="{FF2B5EF4-FFF2-40B4-BE49-F238E27FC236}">
+                    <a16:creationId xmlns:a16="http://schemas.microsoft.com/office/drawing/2014/main" id="{8C9CA4EC-A8D3-A34A-9BB6-8C90454BAAE0}"/>
+                  </a:ext>
+                </a:extLst>
+              </p:cNvPr>
+              <p:cNvPicPr>
+                <a:picLocks noChangeAspect="1"/>
+              </p:cNvPicPr>
+              <p:nvPr/>
+            </p:nvPicPr>
+            <p:blipFill>
+              <a:blip r:embed="rId7">
+                <a:extLst>
+                  <a:ext uri="{28A0092B-C50C-407E-A947-70E740481C1C}">
+                    <a14:useLocalDpi xmlns:a14="http://schemas.microsoft.com/office/drawing/2010/main" val="0"/>
+                  </a:ext>
+                </a:extLst>
+              </a:blip>
+              <a:stretch>
+                <a:fillRect/>
+              </a:stretch>
+            </p:blipFill>
+            <p:spPr>
+              <a:xfrm>
+                <a:off x="1263651" y="2338685"/>
+                <a:ext cx="533400" cy="533400"/>
+              </a:xfrm>
+              <a:prstGeom prst="rect">
+                <a:avLst/>
+              </a:prstGeom>
+            </p:spPr>
+          </p:pic>
+          <p:sp>
+            <p:nvSpPr>
+              <p:cNvPr id="139" name="TextBox 138">
+                <a:extLst>
+                  <a:ext uri="{FF2B5EF4-FFF2-40B4-BE49-F238E27FC236}">
+                    <a16:creationId xmlns:a16="http://schemas.microsoft.com/office/drawing/2014/main" id="{80BCA7D1-089E-444D-9EFC-91BC9C502CAC}"/>
+                  </a:ext>
+                </a:extLst>
+              </p:cNvPr>
+              <p:cNvSpPr txBox="1"/>
+              <p:nvPr/>
+            </p:nvSpPr>
+            <p:spPr>
+              <a:xfrm>
+                <a:off x="1066800" y="2516716"/>
+                <a:ext cx="914400" cy="123111"/>
+              </a:xfrm>
+              <a:prstGeom prst="rect">
+                <a:avLst/>
+              </a:prstGeom>
+              <a:noFill/>
+            </p:spPr>
+            <p:txBody>
+              <a:bodyPr wrap="square" lIns="0" tIns="0" rIns="0" bIns="0" rtlCol="0">
+                <a:spAutoFit/>
+              </a:bodyPr>
+              <a:lstStyle/>
+              <a:p>
+                <a:pPr algn="ctr"/>
+                <a:r>
+                  <a:rPr lang="en-US" sz="600" dirty="0">
+                    <a:latin typeface="Helvetica Neue"/>
+                    <a:cs typeface="Helvetica Neue"/>
+                  </a:rPr>
+                  <a:t>POD</a:t>
+                </a:r>
+              </a:p>
+            </p:txBody>
+          </p:sp>
+        </p:grpSp>
+        <p:sp>
+          <p:nvSpPr>
+            <p:cNvPr id="135" name="TextBox 36">
+              <a:extLst>
+                <a:ext uri="{FF2B5EF4-FFF2-40B4-BE49-F238E27FC236}">
+                  <a16:creationId xmlns:a16="http://schemas.microsoft.com/office/drawing/2014/main" id="{71861E50-08BC-CD4D-9959-C7B6695E1788}"/>
+                </a:ext>
+              </a:extLst>
+            </p:cNvPr>
+            <p:cNvSpPr txBox="1">
+              <a:spLocks noChangeArrowheads="1"/>
+            </p:cNvSpPr>
+            <p:nvPr/>
+          </p:nvSpPr>
+          <p:spPr bwMode="auto">
+            <a:xfrm>
+              <a:off x="1936899" y="4519934"/>
+              <a:ext cx="891718" cy="261611"/>
+            </a:xfrm>
+            <a:prstGeom prst="rect">
+              <a:avLst/>
+            </a:prstGeom>
+            <a:noFill/>
+            <a:ln w="9525">
+              <a:noFill/>
+              <a:miter lim="800000"/>
+              <a:headEnd/>
+              <a:tailEnd/>
+            </a:ln>
+          </p:spPr>
+          <p:txBody>
+            <a:bodyPr wrap="square">
+              <a:spAutoFit/>
+            </a:bodyPr>
+            <a:lstStyle/>
+            <a:p>
+              <a:pPr algn="ctr"/>
+              <a:r>
+                <a:rPr lang="en-US" sz="675" b="1" dirty="0">
+                  <a:latin typeface="+mj-lt"/>
+                  <a:ea typeface="Verdana" pitchFamily="34" charset="0"/>
+                  <a:cs typeface="Helvetica Neue"/>
+                </a:rPr>
+                <a:t>EC2</a:t>
+              </a:r>
+            </a:p>
+          </p:txBody>
+        </p:sp>
+        <p:sp>
+          <p:nvSpPr>
+            <p:cNvPr id="136" name="Rounded Rectangle 135">
+              <a:extLst>
+                <a:ext uri="{FF2B5EF4-FFF2-40B4-BE49-F238E27FC236}">
+                  <a16:creationId xmlns:a16="http://schemas.microsoft.com/office/drawing/2014/main" id="{8142744A-48B7-5F4F-8CE9-052D27D18746}"/>
+                </a:ext>
+              </a:extLst>
+            </p:cNvPr>
+            <p:cNvSpPr/>
+            <p:nvPr/>
+          </p:nvSpPr>
+          <p:spPr>
+            <a:xfrm>
+              <a:off x="1920341" y="3748243"/>
+              <a:ext cx="908277" cy="829075"/>
+            </a:xfrm>
+            <a:prstGeom prst="roundRect">
+              <a:avLst>
+                <a:gd name="adj" fmla="val 9818"/>
+              </a:avLst>
+            </a:prstGeom>
+            <a:noFill/>
+            <a:ln w="6350">
+              <a:solidFill>
+                <a:schemeClr val="tx1"/>
+              </a:solidFill>
+              <a:prstDash val="solid"/>
+            </a:ln>
+            <a:effectLst/>
+          </p:spPr>
+          <p:style>
+            <a:lnRef idx="1">
+              <a:schemeClr val="accent1"/>
+            </a:lnRef>
+            <a:fillRef idx="3">
+              <a:schemeClr val="accent1"/>
+            </a:fillRef>
+            <a:effectRef idx="2">
+              <a:schemeClr val="accent1"/>
+            </a:effectRef>
+            <a:fontRef idx="minor">
+              <a:schemeClr val="lt1"/>
+            </a:fontRef>
+          </p:style>
+          <p:txBody>
+            <a:bodyPr anchor="ctr"/>
+            <a:lstStyle/>
+            <a:p>
+              <a:pPr algn="ctr">
+                <a:defRPr/>
+              </a:pPr>
+              <a:endParaRPr lang="en-US" sz="1350" dirty="0">
+                <a:solidFill>
+                  <a:schemeClr val="tx1"/>
+                </a:solidFill>
+                <a:latin typeface="Arial"/>
+                <a:cs typeface="Arial"/>
+              </a:endParaRPr>
+            </a:p>
+          </p:txBody>
+        </p:sp>
+        <p:pic>
+          <p:nvPicPr>
+            <p:cNvPr id="137" name="Picture 136">
+              <a:extLst>
+                <a:ext uri="{FF2B5EF4-FFF2-40B4-BE49-F238E27FC236}">
+                  <a16:creationId xmlns:a16="http://schemas.microsoft.com/office/drawing/2014/main" id="{290F07FF-842A-4549-A1E0-E2DF9BBA854A}"/>
+                </a:ext>
+              </a:extLst>
+            </p:cNvPr>
+            <p:cNvPicPr>
+              <a:picLocks noChangeAspect="1"/>
+            </p:cNvPicPr>
+            <p:nvPr/>
+          </p:nvPicPr>
+          <p:blipFill>
+            <a:blip r:embed="rId8">
+              <a:extLst>
+                <a:ext uri="{28A0092B-C50C-407E-A947-70E740481C1C}">
+                  <a14:useLocalDpi xmlns:a14="http://schemas.microsoft.com/office/drawing/2010/main" val="0"/>
+                </a:ext>
+              </a:extLst>
+            </a:blip>
+            <a:stretch>
+              <a:fillRect/>
+            </a:stretch>
+          </p:blipFill>
+          <p:spPr>
+            <a:xfrm>
+              <a:off x="2022780" y="3720411"/>
+              <a:ext cx="203405" cy="193178"/>
+            </a:xfrm>
+            <a:prstGeom prst="rect">
+              <a:avLst/>
+            </a:prstGeom>
+          </p:spPr>
+        </p:pic>
+      </p:grpSp>
+      <p:grpSp>
+        <p:nvGrpSpPr>
+          <p:cNvPr id="186" name="Group 185">
+            <a:extLst>
+              <a:ext uri="{FF2B5EF4-FFF2-40B4-BE49-F238E27FC236}">
+                <a16:creationId xmlns:a16="http://schemas.microsoft.com/office/drawing/2014/main" id="{AE4E9BD9-DFCE-CC4B-8592-814F9C2FC71F}"/>
+              </a:ext>
+            </a:extLst>
+          </p:cNvPr>
+          <p:cNvGrpSpPr/>
+          <p:nvPr/>
+        </p:nvGrpSpPr>
+        <p:grpSpPr>
+          <a:xfrm>
+            <a:off x="2713667" y="1712033"/>
+            <a:ext cx="3232325" cy="564760"/>
+            <a:chOff x="6743700" y="760413"/>
+            <a:chExt cx="1752600" cy="1733550"/>
+          </a:xfrm>
+        </p:grpSpPr>
+        <p:grpSp>
+          <p:nvGrpSpPr>
+            <p:cNvPr id="187" name="Group 21">
+              <a:extLst>
+                <a:ext uri="{FF2B5EF4-FFF2-40B4-BE49-F238E27FC236}">
+                  <a16:creationId xmlns:a16="http://schemas.microsoft.com/office/drawing/2014/main" id="{FF4E2E99-5BD4-FC4B-BCB4-D5BBE09AFCFB}"/>
+                </a:ext>
+              </a:extLst>
+            </p:cNvPr>
+            <p:cNvGrpSpPr>
+              <a:grpSpLocks/>
+            </p:cNvGrpSpPr>
+            <p:nvPr/>
+          </p:nvGrpSpPr>
+          <p:grpSpPr bwMode="auto">
+            <a:xfrm>
+              <a:off x="6743700" y="760413"/>
+              <a:ext cx="1752600" cy="1733550"/>
+              <a:chOff x="545458" y="4783771"/>
+              <a:chExt cx="2293787" cy="1733798"/>
+            </a:xfrm>
+          </p:grpSpPr>
+          <p:sp>
+            <p:nvSpPr>
+              <p:cNvPr id="189" name="Rounded Rectangle 188">
+                <a:extLst>
+                  <a:ext uri="{FF2B5EF4-FFF2-40B4-BE49-F238E27FC236}">
+                    <a16:creationId xmlns:a16="http://schemas.microsoft.com/office/drawing/2014/main" id="{68B22678-005B-1D45-A9A1-273C269D4280}"/>
+                  </a:ext>
+                </a:extLst>
+              </p:cNvPr>
+              <p:cNvSpPr/>
+              <p:nvPr/>
+            </p:nvSpPr>
+            <p:spPr>
+              <a:xfrm>
+                <a:off x="545458" y="4783771"/>
+                <a:ext cx="2293787" cy="1733798"/>
+              </a:xfrm>
+              <a:prstGeom prst="roundRect">
+                <a:avLst>
+                  <a:gd name="adj" fmla="val 9818"/>
+                </a:avLst>
+              </a:prstGeom>
+              <a:noFill/>
+              <a:ln w="19050">
+                <a:solidFill>
+                  <a:schemeClr val="tx1"/>
+                </a:solidFill>
+                <a:prstDash val="dashDot"/>
+              </a:ln>
+              <a:effectLst/>
+            </p:spPr>
+            <p:style>
+              <a:lnRef idx="1">
+                <a:schemeClr val="accent1"/>
+              </a:lnRef>
+              <a:fillRef idx="3">
+                <a:schemeClr val="accent1"/>
+              </a:fillRef>
+              <a:effectRef idx="2">
+                <a:schemeClr val="accent1"/>
+              </a:effectRef>
+              <a:fontRef idx="minor">
+                <a:schemeClr val="lt1"/>
+              </a:fontRef>
+            </p:style>
+            <p:txBody>
+              <a:bodyPr anchor="ctr"/>
+              <a:lstStyle/>
+              <a:p>
+                <a:pPr algn="ctr">
+                  <a:defRPr/>
+                </a:pPr>
+                <a:endParaRPr lang="en-US" sz="1350" dirty="0">
+                  <a:solidFill>
+                    <a:schemeClr val="tx1"/>
+                  </a:solidFill>
+                  <a:latin typeface="Helvetica Neue"/>
+                  <a:cs typeface="Helvetica Neue"/>
+                </a:endParaRPr>
+              </a:p>
+            </p:txBody>
+          </p:sp>
+          <p:sp>
+            <p:nvSpPr>
+              <p:cNvPr id="190" name="Rounded Rectangle 189">
+                <a:extLst>
+                  <a:ext uri="{FF2B5EF4-FFF2-40B4-BE49-F238E27FC236}">
+                    <a16:creationId xmlns:a16="http://schemas.microsoft.com/office/drawing/2014/main" id="{B60D397E-C4D7-B943-BC36-2CC34896F887}"/>
+                  </a:ext>
+                </a:extLst>
+              </p:cNvPr>
+              <p:cNvSpPr/>
+              <p:nvPr/>
+            </p:nvSpPr>
+            <p:spPr>
+              <a:xfrm>
+                <a:off x="545458" y="4783771"/>
+                <a:ext cx="2293787" cy="1733798"/>
+              </a:xfrm>
+              <a:prstGeom prst="roundRect">
+                <a:avLst>
+                  <a:gd name="adj" fmla="val 9818"/>
+                </a:avLst>
+              </a:prstGeom>
+              <a:noFill/>
+              <a:ln w="19050">
+                <a:solidFill>
+                  <a:srgbClr val="FF0000"/>
+                </a:solidFill>
+                <a:prstDash val="dashDot"/>
+              </a:ln>
+              <a:effectLst/>
+            </p:spPr>
+            <p:style>
+              <a:lnRef idx="1">
+                <a:schemeClr val="accent1"/>
+              </a:lnRef>
+              <a:fillRef idx="3">
+                <a:schemeClr val="accent1"/>
+              </a:fillRef>
+              <a:effectRef idx="2">
+                <a:schemeClr val="accent1"/>
+              </a:effectRef>
+              <a:fontRef idx="minor">
+                <a:schemeClr val="lt1"/>
+              </a:fontRef>
+            </p:style>
+            <p:txBody>
+              <a:bodyPr anchor="ctr"/>
+              <a:lstStyle/>
+              <a:p>
+                <a:pPr algn="ctr">
+                  <a:defRPr/>
+                </a:pPr>
+                <a:endParaRPr lang="en-US" sz="1350" dirty="0">
+                  <a:solidFill>
+                    <a:schemeClr val="tx1"/>
+                  </a:solidFill>
+                  <a:latin typeface="Helvetica Neue"/>
+                  <a:cs typeface="Helvetica Neue"/>
+                </a:endParaRPr>
+              </a:p>
+            </p:txBody>
+          </p:sp>
+        </p:grpSp>
+        <p:sp>
+          <p:nvSpPr>
+            <p:cNvPr id="188" name="TextBox 34">
+              <a:extLst>
+                <a:ext uri="{FF2B5EF4-FFF2-40B4-BE49-F238E27FC236}">
+                  <a16:creationId xmlns:a16="http://schemas.microsoft.com/office/drawing/2014/main" id="{114D74A2-D423-A94F-9E72-FBA2B8C1BD11}"/>
+                </a:ext>
+              </a:extLst>
+            </p:cNvPr>
+            <p:cNvSpPr txBox="1">
+              <a:spLocks noChangeArrowheads="1"/>
+            </p:cNvSpPr>
+            <p:nvPr/>
+          </p:nvSpPr>
+          <p:spPr bwMode="auto">
+            <a:xfrm>
+              <a:off x="6754937" y="1321686"/>
+              <a:ext cx="307318" cy="850258"/>
+            </a:xfrm>
+            <a:prstGeom prst="rect">
+              <a:avLst/>
+            </a:prstGeom>
+            <a:noFill/>
+            <a:ln w="19050">
+              <a:noFill/>
+              <a:prstDash val="dashDot"/>
+              <a:miter lim="800000"/>
+              <a:headEnd/>
+              <a:tailEnd/>
+            </a:ln>
+          </p:spPr>
+          <p:txBody>
+            <a:bodyPr wrap="square">
+              <a:spAutoFit/>
+            </a:bodyPr>
+            <a:lstStyle/>
+            <a:p>
+              <a:pPr algn="ctr"/>
+              <a:r>
+                <a:rPr lang="en-US" sz="600" dirty="0">
+                  <a:solidFill>
+                    <a:srgbClr val="6F2927"/>
+                  </a:solidFill>
+                  <a:latin typeface="Helvetica Neue"/>
+                  <a:ea typeface="Verdana" pitchFamily="34" charset="0"/>
+                  <a:cs typeface="Helvetica Neue"/>
+                </a:rPr>
+                <a:t>Security Group</a:t>
+              </a:r>
+            </a:p>
+          </p:txBody>
+        </p:sp>
+      </p:grpSp>
+      <p:sp>
+        <p:nvSpPr>
+          <p:cNvPr id="2" name="TextBox 1">
+            <a:extLst>
+              <a:ext uri="{FF2B5EF4-FFF2-40B4-BE49-F238E27FC236}">
+                <a16:creationId xmlns:a16="http://schemas.microsoft.com/office/drawing/2014/main" id="{36BBBD98-B933-854D-8ED5-1C7E225D292E}"/>
+              </a:ext>
+            </a:extLst>
+          </p:cNvPr>
+          <p:cNvSpPr txBox="1"/>
+          <p:nvPr/>
+        </p:nvSpPr>
+        <p:spPr>
+          <a:xfrm>
+            <a:off x="3763287" y="4774168"/>
+            <a:ext cx="2647423" cy="369332"/>
+          </a:xfrm>
+          <a:prstGeom prst="rect">
+            <a:avLst/>
+          </a:prstGeom>
+          <a:noFill/>
+        </p:spPr>
+        <p:txBody>
+          <a:bodyPr wrap="square" rtlCol="0">
+            <a:spAutoFit/>
+          </a:bodyPr>
+          <a:lstStyle/>
+          <a:p>
+            <a:endParaRPr lang="en-US" dirty="0"/>
+          </a:p>
+        </p:txBody>
+      </p:sp>
+      <p:sp>
+        <p:nvSpPr>
+          <p:cNvPr id="3" name="TextBox 2">
+            <a:extLst>
+              <a:ext uri="{FF2B5EF4-FFF2-40B4-BE49-F238E27FC236}">
+                <a16:creationId xmlns:a16="http://schemas.microsoft.com/office/drawing/2014/main" id="{F8B3EE3C-9AAA-FE44-BDDD-878E4BF448C5}"/>
+              </a:ext>
+            </a:extLst>
+          </p:cNvPr>
+          <p:cNvSpPr txBox="1"/>
+          <p:nvPr/>
+        </p:nvSpPr>
+        <p:spPr>
+          <a:xfrm>
+            <a:off x="3205688" y="4504963"/>
+            <a:ext cx="2689842" cy="369332"/>
+          </a:xfrm>
+          <a:prstGeom prst="rect">
+            <a:avLst/>
+          </a:prstGeom>
+          <a:noFill/>
+        </p:spPr>
+        <p:txBody>
+          <a:bodyPr wrap="square" rtlCol="0">
+            <a:spAutoFit/>
+          </a:bodyPr>
+          <a:lstStyle/>
+          <a:p>
+            <a:pPr algn="ctr"/>
+            <a:r>
+              <a:rPr lang="en-US" dirty="0" err="1"/>
+              <a:t>Orderer</a:t>
+            </a:r>
+            <a:r>
+              <a:rPr lang="en-US" dirty="0"/>
+              <a:t> </a:t>
+            </a:r>
+            <a:r>
+              <a:rPr lang="en-US" dirty="0" err="1"/>
+              <a:t>Organisation</a:t>
+            </a:r>
+            <a:endParaRPr lang="en-US" dirty="0"/>
+          </a:p>
+        </p:txBody>
+      </p:sp>
+      <p:cxnSp>
+        <p:nvCxnSpPr>
+          <p:cNvPr id="254" name="Elbow Connector 253">
+            <a:extLst>
+              <a:ext uri="{FF2B5EF4-FFF2-40B4-BE49-F238E27FC236}">
+                <a16:creationId xmlns:a16="http://schemas.microsoft.com/office/drawing/2014/main" id="{8188A277-FBA9-B549-A4A7-1F5E38BA435D}"/>
+              </a:ext>
+            </a:extLst>
+          </p:cNvPr>
+          <p:cNvCxnSpPr>
+            <a:cxnSpLocks/>
+            <a:stCxn id="100" idx="1"/>
+            <a:endCxn id="129" idx="0"/>
+          </p:cNvCxnSpPr>
+          <p:nvPr/>
+        </p:nvCxnSpPr>
+        <p:spPr>
+          <a:xfrm rot="10800000" flipV="1">
+            <a:off x="3601681" y="1899840"/>
+            <a:ext cx="559175" cy="1145120"/>
+          </a:xfrm>
+          <a:prstGeom prst="bentConnector2">
+            <a:avLst/>
+          </a:prstGeom>
+          <a:ln w="12700">
+            <a:solidFill>
+              <a:schemeClr val="accent3">
+                <a:lumMod val="75000"/>
+              </a:schemeClr>
+            </a:solidFill>
+            <a:tailEnd type="triangle"/>
+          </a:ln>
+        </p:spPr>
+        <p:style>
+          <a:lnRef idx="2">
+            <a:schemeClr val="accent1"/>
+          </a:lnRef>
+          <a:fillRef idx="0">
+            <a:schemeClr val="accent1"/>
+          </a:fillRef>
+          <a:effectRef idx="1">
+            <a:schemeClr val="accent1"/>
+          </a:effectRef>
+          <a:fontRef idx="minor">
+            <a:schemeClr val="tx1"/>
+          </a:fontRef>
+        </p:style>
+      </p:cxnSp>
+      <p:cxnSp>
+        <p:nvCxnSpPr>
+          <p:cNvPr id="255" name="Elbow Connector 254">
+            <a:extLst>
+              <a:ext uri="{FF2B5EF4-FFF2-40B4-BE49-F238E27FC236}">
+                <a16:creationId xmlns:a16="http://schemas.microsoft.com/office/drawing/2014/main" id="{75EE0F4A-9520-1048-9371-CE233277B728}"/>
+              </a:ext>
+            </a:extLst>
+          </p:cNvPr>
+          <p:cNvCxnSpPr>
+            <a:cxnSpLocks/>
+            <a:stCxn id="100" idx="3"/>
+            <a:endCxn id="136" idx="0"/>
+          </p:cNvCxnSpPr>
+          <p:nvPr/>
+        </p:nvCxnSpPr>
+        <p:spPr>
+          <a:xfrm>
+            <a:off x="4420666" y="1899840"/>
+            <a:ext cx="578131" cy="1145120"/>
+          </a:xfrm>
+          <a:prstGeom prst="bentConnector2">
+            <a:avLst/>
+          </a:prstGeom>
+          <a:ln w="12700">
+            <a:solidFill>
+              <a:schemeClr val="accent3">
+                <a:lumMod val="75000"/>
+              </a:schemeClr>
+            </a:solidFill>
+            <a:tailEnd type="triangle"/>
+          </a:ln>
+        </p:spPr>
+        <p:style>
+          <a:lnRef idx="2">
+            <a:schemeClr val="accent1"/>
+          </a:lnRef>
+          <a:fillRef idx="0">
+            <a:schemeClr val="accent1"/>
+          </a:fillRef>
+          <a:effectRef idx="1">
+            <a:schemeClr val="accent1"/>
+          </a:effectRef>
+          <a:fontRef idx="minor">
+            <a:schemeClr val="tx1"/>
+          </a:fontRef>
+        </p:style>
+      </p:cxnSp>
+      <p:pic>
+        <p:nvPicPr>
+          <p:cNvPr id="122" name="Picture 121">
+            <a:extLst>
+              <a:ext uri="{FF2B5EF4-FFF2-40B4-BE49-F238E27FC236}">
+                <a16:creationId xmlns:a16="http://schemas.microsoft.com/office/drawing/2014/main" id="{41C30658-1C27-B04E-8859-0C8CA8DF2106}"/>
+              </a:ext>
+            </a:extLst>
+          </p:cNvPr>
+          <p:cNvPicPr>
+            <a:picLocks noChangeAspect="1"/>
+          </p:cNvPicPr>
+          <p:nvPr/>
+        </p:nvPicPr>
+        <p:blipFill>
+          <a:blip r:embed="rId9">
+            <a:extLst>
+              <a:ext uri="{28A0092B-C50C-407E-A947-70E740481C1C}">
+                <a14:useLocalDpi xmlns:a14="http://schemas.microsoft.com/office/drawing/2010/main" val="0"/>
+              </a:ext>
+            </a:extLst>
+          </a:blip>
+          <a:stretch>
+            <a:fillRect/>
+          </a:stretch>
+        </p:blipFill>
+        <p:spPr>
+          <a:xfrm>
+            <a:off x="5274753" y="1742274"/>
+            <a:ext cx="312868" cy="375441"/>
+          </a:xfrm>
+          <a:prstGeom prst="rect">
+            <a:avLst/>
+          </a:prstGeom>
+        </p:spPr>
+      </p:pic>
+      <p:sp>
+        <p:nvSpPr>
+          <p:cNvPr id="143" name="TextBox 142">
+            <a:extLst>
+              <a:ext uri="{FF2B5EF4-FFF2-40B4-BE49-F238E27FC236}">
+                <a16:creationId xmlns:a16="http://schemas.microsoft.com/office/drawing/2014/main" id="{0F722B4D-C234-6C4C-B816-2A530759DAD0}"/>
+              </a:ext>
+            </a:extLst>
+          </p:cNvPr>
+          <p:cNvSpPr txBox="1"/>
+          <p:nvPr/>
+        </p:nvSpPr>
+        <p:spPr>
+          <a:xfrm>
+            <a:off x="5109297" y="2126269"/>
+            <a:ext cx="643781" cy="155632"/>
+          </a:xfrm>
+          <a:prstGeom prst="rect">
+            <a:avLst/>
+          </a:prstGeom>
+          <a:noFill/>
+        </p:spPr>
+        <p:txBody>
+          <a:bodyPr wrap="square" lIns="0" tIns="0" rIns="0" bIns="0" rtlCol="0" anchor="t">
+            <a:noAutofit/>
+          </a:bodyPr>
+          <a:lstStyle/>
+          <a:p>
+            <a:pPr algn="ctr"/>
+            <a:r>
+              <a:rPr lang="en-US" sz="600" b="1" dirty="0"/>
+              <a:t>EC2 Bastion</a:t>
+            </a:r>
+          </a:p>
+        </p:txBody>
+      </p:sp>
+      <p:pic>
+        <p:nvPicPr>
+          <p:cNvPr id="144" name="Picture 143">
+            <a:extLst>
+              <a:ext uri="{FF2B5EF4-FFF2-40B4-BE49-F238E27FC236}">
+                <a16:creationId xmlns:a16="http://schemas.microsoft.com/office/drawing/2014/main" id="{C1A7603C-AC3E-5342-81D7-33AB0D109235}"/>
+              </a:ext>
+            </a:extLst>
+          </p:cNvPr>
+          <p:cNvPicPr>
+            <a:picLocks noChangeAspect="1"/>
+          </p:cNvPicPr>
+          <p:nvPr/>
+        </p:nvPicPr>
+        <p:blipFill>
+          <a:blip r:embed="rId10">
+            <a:extLst>
+              <a:ext uri="{28A0092B-C50C-407E-A947-70E740481C1C}">
+                <a14:useLocalDpi xmlns:a14="http://schemas.microsoft.com/office/drawing/2010/main" val="0"/>
+              </a:ext>
+            </a:extLst>
+          </a:blip>
+          <a:stretch>
+            <a:fillRect/>
+          </a:stretch>
+        </p:blipFill>
+        <p:spPr>
+          <a:xfrm>
+            <a:off x="6566052" y="3219905"/>
+            <a:ext cx="321818" cy="386181"/>
+          </a:xfrm>
+          <a:prstGeom prst="rect">
+            <a:avLst/>
+          </a:prstGeom>
+        </p:spPr>
+      </p:pic>
+      <p:sp>
+        <p:nvSpPr>
+          <p:cNvPr id="145" name="TextBox 144">
+            <a:extLst>
+              <a:ext uri="{FF2B5EF4-FFF2-40B4-BE49-F238E27FC236}">
+                <a16:creationId xmlns:a16="http://schemas.microsoft.com/office/drawing/2014/main" id="{E23AA637-FC4C-4B48-BF62-EFF45681B0EB}"/>
+              </a:ext>
+            </a:extLst>
+          </p:cNvPr>
+          <p:cNvSpPr txBox="1"/>
+          <p:nvPr/>
+        </p:nvSpPr>
+        <p:spPr>
+          <a:xfrm>
+            <a:off x="6909996" y="3381051"/>
+            <a:ext cx="512483" cy="92188"/>
+          </a:xfrm>
+          <a:prstGeom prst="rect">
+            <a:avLst/>
+          </a:prstGeom>
+          <a:noFill/>
+        </p:spPr>
+        <p:txBody>
+          <a:bodyPr wrap="square" lIns="0" tIns="0" rIns="0" bIns="0" rtlCol="0" anchor="t">
+            <a:noAutofit/>
+          </a:bodyPr>
+          <a:lstStyle/>
+          <a:p>
+            <a:pPr algn="ctr"/>
+            <a:r>
+              <a:rPr lang="en-US" sz="600" b="1" dirty="0"/>
+              <a:t>Amazon EFS</a:t>
+            </a:r>
+          </a:p>
+        </p:txBody>
+      </p:sp>
+      <p:cxnSp>
+        <p:nvCxnSpPr>
+          <p:cNvPr id="5" name="Elbow Connector 4">
+            <a:extLst>
+              <a:ext uri="{FF2B5EF4-FFF2-40B4-BE49-F238E27FC236}">
+                <a16:creationId xmlns:a16="http://schemas.microsoft.com/office/drawing/2014/main" id="{55E7666D-72AC-C24B-973A-AEE8596FDA68}"/>
+              </a:ext>
+            </a:extLst>
+          </p:cNvPr>
+          <p:cNvCxnSpPr>
+            <a:stCxn id="144" idx="0"/>
+            <a:endCxn id="122" idx="3"/>
+          </p:cNvCxnSpPr>
+          <p:nvPr/>
+        </p:nvCxnSpPr>
+        <p:spPr>
+          <a:xfrm rot="16200000" flipV="1">
+            <a:off x="5512336" y="2005280"/>
+            <a:ext cx="1289910" cy="1139340"/>
+          </a:xfrm>
+          <a:prstGeom prst="bentConnector2">
+            <a:avLst/>
+          </a:prstGeom>
+          <a:ln w="12700">
+            <a:solidFill>
+              <a:schemeClr val="accent3">
+                <a:lumMod val="75000"/>
+              </a:schemeClr>
+            </a:solidFill>
+            <a:prstDash val="dash"/>
+            <a:tailEnd type="triangle"/>
+          </a:ln>
+        </p:spPr>
+        <p:style>
+          <a:lnRef idx="2">
+            <a:schemeClr val="accent1"/>
+          </a:lnRef>
+          <a:fillRef idx="0">
+            <a:schemeClr val="accent1"/>
+          </a:fillRef>
+          <a:effectRef idx="1">
+            <a:schemeClr val="accent1"/>
+          </a:effectRef>
+          <a:fontRef idx="minor">
+            <a:schemeClr val="tx1"/>
+          </a:fontRef>
+        </p:style>
+      </p:cxnSp>
+      <p:cxnSp>
+        <p:nvCxnSpPr>
+          <p:cNvPr id="146" name="Elbow Connector 145">
+            <a:extLst>
+              <a:ext uri="{FF2B5EF4-FFF2-40B4-BE49-F238E27FC236}">
+                <a16:creationId xmlns:a16="http://schemas.microsoft.com/office/drawing/2014/main" id="{4D92835C-9F86-C945-A865-9368EF61CF1E}"/>
+              </a:ext>
+            </a:extLst>
+          </p:cNvPr>
+          <p:cNvCxnSpPr>
+            <a:cxnSpLocks/>
+            <a:stCxn id="144" idx="1"/>
+            <a:endCxn id="147" idx="3"/>
+          </p:cNvCxnSpPr>
+          <p:nvPr/>
+        </p:nvCxnSpPr>
+        <p:spPr>
+          <a:xfrm rot="10800000" flipV="1">
+            <a:off x="6020728" y="3412995"/>
+            <a:ext cx="545325" cy="7209"/>
+          </a:xfrm>
+          <a:prstGeom prst="bentConnector3">
+            <a:avLst>
+              <a:gd name="adj1" fmla="val 50000"/>
+            </a:avLst>
+          </a:prstGeom>
+          <a:ln w="12700">
+            <a:solidFill>
+              <a:schemeClr val="accent3">
+                <a:lumMod val="75000"/>
+              </a:schemeClr>
+            </a:solidFill>
+            <a:prstDash val="dash"/>
+            <a:tailEnd type="triangle"/>
+          </a:ln>
+        </p:spPr>
+        <p:style>
+          <a:lnRef idx="2">
+            <a:schemeClr val="accent1"/>
+          </a:lnRef>
+          <a:fillRef idx="0">
+            <a:schemeClr val="accent1"/>
+          </a:fillRef>
+          <a:effectRef idx="1">
+            <a:schemeClr val="accent1"/>
+          </a:effectRef>
+          <a:fontRef idx="minor">
+            <a:schemeClr val="tx1"/>
+          </a:fontRef>
+        </p:style>
+      </p:cxnSp>
+      <p:sp>
+        <p:nvSpPr>
+          <p:cNvPr id="147" name="Rounded Rectangle 146">
+            <a:extLst>
+              <a:ext uri="{FF2B5EF4-FFF2-40B4-BE49-F238E27FC236}">
+                <a16:creationId xmlns:a16="http://schemas.microsoft.com/office/drawing/2014/main" id="{26DECAEA-1EE4-6542-AC1C-AB8C578FF625}"/>
+              </a:ext>
+            </a:extLst>
+          </p:cNvPr>
+          <p:cNvSpPr/>
+          <p:nvPr/>
+        </p:nvSpPr>
+        <p:spPr>
+          <a:xfrm>
+            <a:off x="4531959" y="2567949"/>
+            <a:ext cx="1488768" cy="1704512"/>
+          </a:xfrm>
+          <a:prstGeom prst="roundRect">
+            <a:avLst>
+              <a:gd name="adj" fmla="val 9818"/>
+            </a:avLst>
+          </a:prstGeom>
+          <a:noFill/>
+          <a:ln w="6350">
+            <a:solidFill>
+              <a:schemeClr val="tx1"/>
+            </a:solidFill>
+            <a:prstDash val="solid"/>
+          </a:ln>
+          <a:effectLst/>
+        </p:spPr>
+        <p:style>
+          <a:lnRef idx="1">
+            <a:schemeClr val="accent1"/>
+          </a:lnRef>
+          <a:fillRef idx="3">
+            <a:schemeClr val="accent1"/>
+          </a:fillRef>
+          <a:effectRef idx="2">
+            <a:schemeClr val="accent1"/>
+          </a:effectRef>
+          <a:fontRef idx="minor">
+            <a:schemeClr val="lt1"/>
+          </a:fontRef>
+        </p:style>
+        <p:txBody>
+          <a:bodyPr anchor="ctr"/>
+          <a:lstStyle/>
+          <a:p>
+            <a:pPr algn="ctr">
+              <a:defRPr/>
+            </a:pPr>
+            <a:endParaRPr lang="en-US" sz="1350" dirty="0">
+              <a:solidFill>
+                <a:schemeClr val="tx1"/>
+              </a:solidFill>
+              <a:latin typeface="Helvetica Neue"/>
+              <a:cs typeface="Helvetica Neue"/>
+            </a:endParaRPr>
+          </a:p>
+        </p:txBody>
+      </p:sp>
+      <p:sp>
+        <p:nvSpPr>
+          <p:cNvPr id="148" name="TextBox 37">
+            <a:extLst>
+              <a:ext uri="{FF2B5EF4-FFF2-40B4-BE49-F238E27FC236}">
+                <a16:creationId xmlns:a16="http://schemas.microsoft.com/office/drawing/2014/main" id="{93CDED67-8274-3E4B-94DB-051774A0DE5A}"/>
+              </a:ext>
+            </a:extLst>
+          </p:cNvPr>
+          <p:cNvSpPr txBox="1">
+            <a:spLocks noChangeArrowheads="1"/>
+          </p:cNvSpPr>
+          <p:nvPr/>
+        </p:nvSpPr>
+        <p:spPr bwMode="auto">
+          <a:xfrm>
+            <a:off x="4697035" y="4096246"/>
+            <a:ext cx="1181898" cy="196208"/>
+          </a:xfrm>
+          <a:prstGeom prst="rect">
+            <a:avLst/>
+          </a:prstGeom>
+          <a:noFill/>
+          <a:ln w="9525">
+            <a:noFill/>
+            <a:miter lim="800000"/>
+            <a:headEnd/>
+            <a:tailEnd/>
+          </a:ln>
+        </p:spPr>
+        <p:txBody>
+          <a:bodyPr wrap="square">
+            <a:spAutoFit/>
+          </a:bodyPr>
+          <a:lstStyle/>
+          <a:p>
+            <a:pPr algn="ctr"/>
+            <a:r>
+              <a:rPr lang="en-US" sz="675" dirty="0">
+                <a:latin typeface="Helvetica Neue"/>
+                <a:ea typeface="Verdana" pitchFamily="34" charset="0"/>
+                <a:cs typeface="Helvetica Neue"/>
+              </a:rPr>
+              <a:t>private subnet</a:t>
+            </a:r>
+          </a:p>
+        </p:txBody>
+      </p:sp>
+      <p:grpSp>
+        <p:nvGrpSpPr>
+          <p:cNvPr id="149" name="Group 148">
+            <a:extLst>
+              <a:ext uri="{FF2B5EF4-FFF2-40B4-BE49-F238E27FC236}">
+                <a16:creationId xmlns:a16="http://schemas.microsoft.com/office/drawing/2014/main" id="{233B2CCE-24EC-0B42-94F2-A7B46C2E417D}"/>
+              </a:ext>
+            </a:extLst>
+          </p:cNvPr>
+          <p:cNvGrpSpPr/>
+          <p:nvPr/>
+        </p:nvGrpSpPr>
+        <p:grpSpPr>
+          <a:xfrm>
+            <a:off x="4545784" y="1587052"/>
+            <a:ext cx="1453961" cy="859216"/>
+            <a:chOff x="4629150" y="2824163"/>
+            <a:chExt cx="1752600" cy="1837040"/>
+          </a:xfrm>
+        </p:grpSpPr>
+        <p:sp>
+          <p:nvSpPr>
+            <p:cNvPr id="150" name="Rounded Rectangle 149">
+              <a:extLst>
+                <a:ext uri="{FF2B5EF4-FFF2-40B4-BE49-F238E27FC236}">
+                  <a16:creationId xmlns:a16="http://schemas.microsoft.com/office/drawing/2014/main" id="{2BE1562C-C2DB-5B4B-B6EC-58BE78880C71}"/>
+                </a:ext>
+              </a:extLst>
+            </p:cNvPr>
+            <p:cNvSpPr/>
+            <p:nvPr/>
+          </p:nvSpPr>
+          <p:spPr>
+            <a:xfrm>
+              <a:off x="4629150" y="2824163"/>
+              <a:ext cx="1752600" cy="1733550"/>
+            </a:xfrm>
+            <a:prstGeom prst="roundRect">
+              <a:avLst>
+                <a:gd name="adj" fmla="val 9818"/>
+              </a:avLst>
+            </a:prstGeom>
+            <a:noFill/>
+            <a:ln w="6350">
+              <a:solidFill>
+                <a:schemeClr val="tx1"/>
+              </a:solidFill>
+              <a:prstDash val="solid"/>
+            </a:ln>
+            <a:effectLst/>
+          </p:spPr>
+          <p:style>
+            <a:lnRef idx="1">
+              <a:schemeClr val="accent1"/>
+            </a:lnRef>
+            <a:fillRef idx="3">
+              <a:schemeClr val="accent1"/>
+            </a:fillRef>
+            <a:effectRef idx="2">
+              <a:schemeClr val="accent1"/>
+            </a:effectRef>
+            <a:fontRef idx="minor">
+              <a:schemeClr val="lt1"/>
+            </a:fontRef>
+          </p:style>
+          <p:txBody>
+            <a:bodyPr anchor="ctr"/>
+            <a:lstStyle/>
+            <a:p>
+              <a:pPr algn="ctr">
+                <a:defRPr/>
+              </a:pPr>
+              <a:endParaRPr lang="en-US" sz="1350" dirty="0">
+                <a:solidFill>
+                  <a:schemeClr val="tx1"/>
+                </a:solidFill>
+                <a:latin typeface="Helvetica Neue"/>
+                <a:cs typeface="Helvetica Neue"/>
+              </a:endParaRPr>
+            </a:p>
+          </p:txBody>
+        </p:sp>
+        <p:sp>
+          <p:nvSpPr>
+            <p:cNvPr id="151" name="TextBox 37">
+              <a:extLst>
+                <a:ext uri="{FF2B5EF4-FFF2-40B4-BE49-F238E27FC236}">
+                  <a16:creationId xmlns:a16="http://schemas.microsoft.com/office/drawing/2014/main" id="{CCB6A3F7-2FFF-4240-A605-4B82687B0CAE}"/>
+                </a:ext>
+              </a:extLst>
+            </p:cNvPr>
+            <p:cNvSpPr txBox="1">
+              <a:spLocks noChangeArrowheads="1"/>
+            </p:cNvSpPr>
+            <p:nvPr/>
+          </p:nvSpPr>
+          <p:spPr bwMode="auto">
+            <a:xfrm>
+              <a:off x="4774940" y="4241702"/>
+              <a:ext cx="1555750" cy="419501"/>
+            </a:xfrm>
+            <a:prstGeom prst="rect">
+              <a:avLst/>
+            </a:prstGeom>
+            <a:noFill/>
+            <a:ln w="9525">
+              <a:noFill/>
+              <a:miter lim="800000"/>
+              <a:headEnd/>
+              <a:tailEnd/>
+            </a:ln>
+          </p:spPr>
+          <p:txBody>
+            <a:bodyPr>
+              <a:spAutoFit/>
+            </a:bodyPr>
+            <a:lstStyle/>
+            <a:p>
+              <a:pPr algn="ctr"/>
+              <a:r>
+                <a:rPr lang="en-US" sz="675" dirty="0">
+                  <a:latin typeface="Helvetica Neue"/>
+                  <a:ea typeface="Verdana" pitchFamily="34" charset="0"/>
+                  <a:cs typeface="Helvetica Neue"/>
+                </a:rPr>
+                <a:t>public subnet</a:t>
+              </a:r>
+            </a:p>
+          </p:txBody>
+        </p:sp>
+      </p:grpSp>
+      <p:grpSp>
+        <p:nvGrpSpPr>
+          <p:cNvPr id="152" name="Group 151">
+            <a:extLst>
+              <a:ext uri="{FF2B5EF4-FFF2-40B4-BE49-F238E27FC236}">
+                <a16:creationId xmlns:a16="http://schemas.microsoft.com/office/drawing/2014/main" id="{85B69325-1817-4140-BF3E-BC6A0D3D94C0}"/>
+              </a:ext>
+            </a:extLst>
+          </p:cNvPr>
+          <p:cNvGrpSpPr/>
+          <p:nvPr/>
+        </p:nvGrpSpPr>
+        <p:grpSpPr>
+          <a:xfrm>
+            <a:off x="4461357" y="1347672"/>
+            <a:ext cx="1622816" cy="3095517"/>
+            <a:chOff x="2549525" y="760413"/>
+            <a:chExt cx="1689100" cy="1738034"/>
+          </a:xfrm>
+        </p:grpSpPr>
+        <p:sp>
+          <p:nvSpPr>
+            <p:cNvPr id="153" name="Rounded Rectangle 152">
+              <a:extLst>
+                <a:ext uri="{FF2B5EF4-FFF2-40B4-BE49-F238E27FC236}">
+                  <a16:creationId xmlns:a16="http://schemas.microsoft.com/office/drawing/2014/main" id="{21AFD95A-E9BE-E14E-B300-6A5B34FD40B5}"/>
+                </a:ext>
+              </a:extLst>
+            </p:cNvPr>
+            <p:cNvSpPr/>
+            <p:nvPr/>
+          </p:nvSpPr>
+          <p:spPr>
+            <a:xfrm>
+              <a:off x="2549525" y="760413"/>
+              <a:ext cx="1689100" cy="1733550"/>
+            </a:xfrm>
+            <a:prstGeom prst="roundRect">
+              <a:avLst>
+                <a:gd name="adj" fmla="val 9818"/>
+              </a:avLst>
+            </a:prstGeom>
+            <a:noFill/>
+            <a:ln w="19050">
+              <a:solidFill>
+                <a:srgbClr val="F7981F"/>
+              </a:solidFill>
+              <a:prstDash val="lgDash"/>
+            </a:ln>
+            <a:effectLst/>
+          </p:spPr>
+          <p:style>
+            <a:lnRef idx="1">
+              <a:schemeClr val="accent1"/>
+            </a:lnRef>
+            <a:fillRef idx="3">
+              <a:schemeClr val="accent1"/>
+            </a:fillRef>
+            <a:effectRef idx="2">
+              <a:schemeClr val="accent1"/>
+            </a:effectRef>
+            <a:fontRef idx="minor">
+              <a:schemeClr val="lt1"/>
+            </a:fontRef>
+          </p:style>
+          <p:txBody>
+            <a:bodyPr anchor="ctr"/>
+            <a:lstStyle/>
+            <a:p>
+              <a:pPr algn="ctr">
+                <a:defRPr/>
+              </a:pPr>
+              <a:endParaRPr lang="en-US" sz="1350" dirty="0">
+                <a:solidFill>
+                  <a:schemeClr val="tx1"/>
+                </a:solidFill>
+                <a:latin typeface="Helvetica Neue"/>
+                <a:cs typeface="Helvetica Neue"/>
+              </a:endParaRPr>
+            </a:p>
+          </p:txBody>
+        </p:sp>
+        <p:sp>
+          <p:nvSpPr>
+            <p:cNvPr id="154" name="TextBox 32">
+              <a:extLst>
+                <a:ext uri="{FF2B5EF4-FFF2-40B4-BE49-F238E27FC236}">
+                  <a16:creationId xmlns:a16="http://schemas.microsoft.com/office/drawing/2014/main" id="{0EFF193B-B941-1F4B-9AAC-9C6618764D5E}"/>
+                </a:ext>
+              </a:extLst>
+            </p:cNvPr>
+            <p:cNvSpPr txBox="1">
+              <a:spLocks noChangeArrowheads="1"/>
+            </p:cNvSpPr>
+            <p:nvPr/>
+          </p:nvSpPr>
+          <p:spPr bwMode="auto">
+            <a:xfrm>
+              <a:off x="2615406" y="2388282"/>
+              <a:ext cx="1557338" cy="110165"/>
+            </a:xfrm>
+            <a:prstGeom prst="rect">
+              <a:avLst/>
+            </a:prstGeom>
+            <a:noFill/>
+            <a:ln w="9525">
+              <a:noFill/>
+              <a:miter lim="800000"/>
+              <a:headEnd/>
+              <a:tailEnd/>
+            </a:ln>
+          </p:spPr>
+          <p:txBody>
+            <a:bodyPr>
+              <a:spAutoFit/>
+            </a:bodyPr>
+            <a:lstStyle/>
+            <a:p>
+              <a:pPr algn="ctr"/>
+              <a:r>
+                <a:rPr lang="en-US" sz="675" b="1" dirty="0">
+                  <a:solidFill>
+                    <a:srgbClr val="F7981F"/>
+                  </a:solidFill>
+                  <a:latin typeface="Helvetica Neue"/>
+                  <a:ea typeface="Verdana" pitchFamily="34" charset="0"/>
+                  <a:cs typeface="Helvetica Neue"/>
+                </a:rPr>
+                <a:t>AZ: us-west-2b</a:t>
+              </a:r>
+            </a:p>
+          </p:txBody>
+        </p:sp>
+      </p:grpSp>
+      <p:pic>
+        <p:nvPicPr>
+          <p:cNvPr id="156" name="Picture 155">
+            <a:extLst>
+              <a:ext uri="{FF2B5EF4-FFF2-40B4-BE49-F238E27FC236}">
+                <a16:creationId xmlns:a16="http://schemas.microsoft.com/office/drawing/2014/main" id="{04CDB952-CD1F-0140-A16E-C26F47A64CEC}"/>
+              </a:ext>
+            </a:extLst>
+          </p:cNvPr>
+          <p:cNvPicPr>
+            <a:picLocks noChangeAspect="1"/>
+          </p:cNvPicPr>
+          <p:nvPr/>
+        </p:nvPicPr>
+        <p:blipFill>
+          <a:blip r:embed="rId4"/>
+          <a:stretch>
+            <a:fillRect/>
+          </a:stretch>
+        </p:blipFill>
+        <p:spPr>
+          <a:xfrm>
+            <a:off x="4836872" y="1465472"/>
+            <a:ext cx="161925" cy="180975"/>
+          </a:xfrm>
+          <a:prstGeom prst="rect">
+            <a:avLst/>
+          </a:prstGeom>
+        </p:spPr>
+      </p:pic>
+      <p:pic>
+        <p:nvPicPr>
+          <p:cNvPr id="157" name="Picture 156">
+            <a:extLst>
+              <a:ext uri="{FF2B5EF4-FFF2-40B4-BE49-F238E27FC236}">
+                <a16:creationId xmlns:a16="http://schemas.microsoft.com/office/drawing/2014/main" id="{EE8CD1EC-6491-3849-BD08-B83E4D6F7A42}"/>
+              </a:ext>
+            </a:extLst>
+          </p:cNvPr>
+          <p:cNvPicPr>
+            <a:picLocks noChangeAspect="1"/>
+          </p:cNvPicPr>
+          <p:nvPr/>
+        </p:nvPicPr>
+        <p:blipFill>
+          <a:blip r:embed="rId4"/>
+          <a:stretch>
+            <a:fillRect/>
+          </a:stretch>
+        </p:blipFill>
+        <p:spPr>
+          <a:xfrm>
+            <a:off x="4835805" y="2460452"/>
+            <a:ext cx="161925" cy="180975"/>
+          </a:xfrm>
+          <a:prstGeom prst="rect">
+            <a:avLst/>
+          </a:prstGeom>
+        </p:spPr>
+      </p:pic>
+      <p:cxnSp>
+        <p:nvCxnSpPr>
+          <p:cNvPr id="158" name="Elbow Connector 157">
+            <a:extLst>
+              <a:ext uri="{FF2B5EF4-FFF2-40B4-BE49-F238E27FC236}">
+                <a16:creationId xmlns:a16="http://schemas.microsoft.com/office/drawing/2014/main" id="{25265B60-B725-204D-B788-1F01E5B30368}"/>
+              </a:ext>
+            </a:extLst>
+          </p:cNvPr>
+          <p:cNvCxnSpPr>
+            <a:cxnSpLocks/>
+            <a:stCxn id="144" idx="2"/>
+          </p:cNvCxnSpPr>
+          <p:nvPr/>
+        </p:nvCxnSpPr>
+        <p:spPr>
+          <a:xfrm rot="5400000">
+            <a:off x="5177814" y="2465579"/>
+            <a:ext cx="408641" cy="2689654"/>
+          </a:xfrm>
+          <a:prstGeom prst="bentConnector2">
+            <a:avLst/>
+          </a:prstGeom>
+          <a:ln w="12700">
+            <a:solidFill>
+              <a:schemeClr val="accent3">
+                <a:lumMod val="75000"/>
+              </a:schemeClr>
+            </a:solidFill>
+            <a:prstDash val="dash"/>
+            <a:tailEnd type="triangle"/>
+          </a:ln>
+        </p:spPr>
+        <p:style>
+          <a:lnRef idx="2">
+            <a:schemeClr val="accent1"/>
+          </a:lnRef>
+          <a:fillRef idx="0">
+            <a:schemeClr val="accent1"/>
+          </a:fillRef>
+          <a:effectRef idx="1">
+            <a:schemeClr val="accent1"/>
+          </a:effectRef>
+          <a:fontRef idx="minor">
+            <a:schemeClr val="tx1"/>
+          </a:fontRef>
+        </p:style>
+      </p:cxnSp>
+    </p:spTree>
+    <p:extLst>
+      <p:ext uri="{BB962C8B-B14F-4D97-AF65-F5344CB8AC3E}">
+        <p14:creationId xmlns:p14="http://schemas.microsoft.com/office/powerpoint/2010/main" val="1527559618"/>
+      </p:ext>
+    </p:extLst>
+  </p:cSld>
+  <p:clrMapOvr>
+    <a:masterClrMapping/>
+  </p:clrMapOvr>
+</p:sld>
+</file>
+
+<file path=ppt/slides/slide5.xml><?xml version="1.0" encoding="utf-8"?>
+<p:sld xmlns:a="http://schemas.openxmlformats.org/drawingml/2006/main" xmlns:r="http://schemas.openxmlformats.org/officeDocument/2006/relationships" xmlns:p="http://schemas.openxmlformats.org/presentationml/2006/main">
+  <p:cSld>
+    <p:spTree>
+      <p:nvGrpSpPr>
+        <p:cNvPr id="1" name=""/>
+        <p:cNvGrpSpPr/>
+        <p:nvPr/>
+      </p:nvGrpSpPr>
+      <p:grpSpPr>
+        <a:xfrm>
+          <a:off x="0" y="0"/>
+          <a:ext cx="0" cy="0"/>
+          <a:chOff x="0" y="0"/>
+          <a:chExt cx="0" cy="0"/>
+        </a:xfrm>
+      </p:grpSpPr>
+      <p:sp>
+        <p:nvSpPr>
+          <p:cNvPr id="2" name="Title 1">
+            <a:extLst>
+              <a:ext uri="{FF2B5EF4-FFF2-40B4-BE49-F238E27FC236}">
+                <a16:creationId xmlns:a16="http://schemas.microsoft.com/office/drawing/2014/main" id="{1D62F218-B48F-464B-B1BF-AD03C1C0FE42}"/>
+              </a:ext>
+            </a:extLst>
+          </p:cNvPr>
+          <p:cNvSpPr>
+            <a:spLocks noGrp="1"/>
+          </p:cNvSpPr>
+          <p:nvPr>
+            <p:ph type="title"/>
+          </p:nvPr>
+        </p:nvSpPr>
+        <p:spPr/>
+        <p:txBody>
+          <a:bodyPr/>
+          <a:lstStyle/>
+          <a:p>
+            <a:r>
+              <a:rPr lang="en-US" dirty="0"/>
+              <a:t>Fabric Components – all can run on Kubernetes</a:t>
+            </a:r>
+          </a:p>
+        </p:txBody>
+      </p:sp>
+      <p:sp>
+        <p:nvSpPr>
+          <p:cNvPr id="39" name="Rounded Rectangle 38">
+            <a:extLst>
+              <a:ext uri="{FF2B5EF4-FFF2-40B4-BE49-F238E27FC236}">
+                <a16:creationId xmlns:a16="http://schemas.microsoft.com/office/drawing/2014/main" id="{913E35C5-DD5B-7744-A8F2-8EC74740EE81}"/>
+              </a:ext>
+            </a:extLst>
+          </p:cNvPr>
+          <p:cNvSpPr/>
+          <p:nvPr/>
+        </p:nvSpPr>
+        <p:spPr>
+          <a:xfrm>
+            <a:off x="6810758" y="2210399"/>
+            <a:ext cx="965943" cy="387927"/>
+          </a:xfrm>
+          <a:prstGeom prst="roundRect">
+            <a:avLst/>
+          </a:prstGeom>
+          <a:ln/>
+        </p:spPr>
+        <p:style>
+          <a:lnRef idx="2">
+            <a:schemeClr val="accent2">
+              <a:shade val="50000"/>
+            </a:schemeClr>
+          </a:lnRef>
+          <a:fillRef idx="1">
+            <a:schemeClr val="accent2"/>
+          </a:fillRef>
+          <a:effectRef idx="0">
+            <a:schemeClr val="accent2"/>
+          </a:effectRef>
+          <a:fontRef idx="minor">
+            <a:schemeClr val="lt1"/>
+          </a:fontRef>
+        </p:style>
+        <p:txBody>
+          <a:bodyPr rtlCol="0" anchor="ctr"/>
+          <a:lstStyle/>
+          <a:p>
+            <a:pPr algn="ctr"/>
+            <a:r>
+              <a:rPr lang="en-US" sz="1000" dirty="0"/>
+              <a:t>Peer2, Org2</a:t>
+            </a:r>
+          </a:p>
+        </p:txBody>
+      </p:sp>
+      <p:sp>
+        <p:nvSpPr>
+          <p:cNvPr id="42" name="Rounded Rectangle 41">
+            <a:extLst>
+              <a:ext uri="{FF2B5EF4-FFF2-40B4-BE49-F238E27FC236}">
+                <a16:creationId xmlns:a16="http://schemas.microsoft.com/office/drawing/2014/main" id="{928E2D7B-1289-5D49-8B5A-CB07D3B140D2}"/>
+              </a:ext>
+            </a:extLst>
+          </p:cNvPr>
+          <p:cNvSpPr/>
+          <p:nvPr/>
+        </p:nvSpPr>
+        <p:spPr>
+          <a:xfrm>
+            <a:off x="5561019" y="2210399"/>
+            <a:ext cx="1047179" cy="387927"/>
+          </a:xfrm>
+          <a:prstGeom prst="roundRect">
+            <a:avLst/>
+          </a:prstGeom>
+          <a:ln/>
+        </p:spPr>
+        <p:style>
+          <a:lnRef idx="2">
+            <a:schemeClr val="accent2">
+              <a:shade val="50000"/>
+            </a:schemeClr>
+          </a:lnRef>
+          <a:fillRef idx="1">
+            <a:schemeClr val="accent2"/>
+          </a:fillRef>
+          <a:effectRef idx="0">
+            <a:schemeClr val="accent2"/>
+          </a:effectRef>
+          <a:fontRef idx="minor">
+            <a:schemeClr val="lt1"/>
+          </a:fontRef>
+        </p:style>
+        <p:txBody>
+          <a:bodyPr rtlCol="0" anchor="ctr"/>
+          <a:lstStyle/>
+          <a:p>
+            <a:pPr algn="ctr"/>
+            <a:r>
+              <a:rPr lang="en-US" sz="1000" dirty="0"/>
+              <a:t>Peer1, Org2</a:t>
+            </a:r>
+          </a:p>
+        </p:txBody>
+      </p:sp>
+      <p:cxnSp>
+        <p:nvCxnSpPr>
+          <p:cNvPr id="20" name="Straight Arrow Connector 19">
+            <a:extLst>
+              <a:ext uri="{FF2B5EF4-FFF2-40B4-BE49-F238E27FC236}">
+                <a16:creationId xmlns:a16="http://schemas.microsoft.com/office/drawing/2014/main" id="{690902A0-FAB4-9E40-BE90-B8404D484657}"/>
+              </a:ext>
+            </a:extLst>
+          </p:cNvPr>
+          <p:cNvCxnSpPr>
+            <a:cxnSpLocks/>
+            <a:stCxn id="51" idx="2"/>
+            <a:endCxn id="52" idx="0"/>
+          </p:cNvCxnSpPr>
+          <p:nvPr/>
+        </p:nvCxnSpPr>
+        <p:spPr>
+          <a:xfrm>
+            <a:off x="4437104" y="3401336"/>
+            <a:ext cx="666" cy="253918"/>
+          </a:xfrm>
+          <a:prstGeom prst="straightConnector1">
+            <a:avLst/>
+          </a:prstGeom>
+          <a:ln>
+            <a:solidFill>
+              <a:schemeClr val="accent3">
+                <a:lumMod val="75000"/>
+              </a:schemeClr>
+            </a:solidFill>
+            <a:tailEnd type="triangle"/>
+          </a:ln>
+        </p:spPr>
+        <p:style>
+          <a:lnRef idx="2">
+            <a:schemeClr val="accent1"/>
+          </a:lnRef>
+          <a:fillRef idx="0">
+            <a:schemeClr val="accent1"/>
+          </a:fillRef>
+          <a:effectRef idx="1">
+            <a:schemeClr val="accent1"/>
+          </a:effectRef>
+          <a:fontRef idx="minor">
+            <a:schemeClr val="tx1"/>
+          </a:fontRef>
+        </p:style>
+      </p:cxnSp>
+      <p:sp>
+        <p:nvSpPr>
+          <p:cNvPr id="35" name="Rounded Rectangle 34">
+            <a:extLst>
+              <a:ext uri="{FF2B5EF4-FFF2-40B4-BE49-F238E27FC236}">
+                <a16:creationId xmlns:a16="http://schemas.microsoft.com/office/drawing/2014/main" id="{79DF79DD-D293-2D43-A55E-BA6CE0EA38CD}"/>
+              </a:ext>
+            </a:extLst>
+          </p:cNvPr>
+          <p:cNvSpPr/>
+          <p:nvPr/>
+        </p:nvSpPr>
+        <p:spPr>
+          <a:xfrm>
+            <a:off x="308288" y="1182653"/>
+            <a:ext cx="3217707" cy="1711566"/>
+          </a:xfrm>
+          <a:prstGeom prst="roundRect">
+            <a:avLst/>
+          </a:prstGeom>
+          <a:noFill/>
+          <a:ln/>
+        </p:spPr>
+        <p:style>
+          <a:lnRef idx="2">
+            <a:schemeClr val="accent3"/>
+          </a:lnRef>
+          <a:fillRef idx="1">
+            <a:schemeClr val="lt1"/>
+          </a:fillRef>
+          <a:effectRef idx="0">
+            <a:schemeClr val="accent3"/>
+          </a:effectRef>
+          <a:fontRef idx="minor">
+            <a:schemeClr val="dk1"/>
+          </a:fontRef>
+        </p:style>
+        <p:txBody>
+          <a:bodyPr rtlCol="0" anchor="t"/>
+          <a:lstStyle/>
+          <a:p>
+            <a:pPr algn="ctr"/>
+            <a:endParaRPr lang="en-US" sz="1400" dirty="0"/>
+          </a:p>
+        </p:txBody>
+      </p:sp>
+      <p:sp>
+        <p:nvSpPr>
+          <p:cNvPr id="38" name="Rounded Rectangle 37">
+            <a:extLst>
+              <a:ext uri="{FF2B5EF4-FFF2-40B4-BE49-F238E27FC236}">
+                <a16:creationId xmlns:a16="http://schemas.microsoft.com/office/drawing/2014/main" id="{7EC304B9-D32F-8040-ABE1-77A513B80666}"/>
+              </a:ext>
+            </a:extLst>
+          </p:cNvPr>
+          <p:cNvSpPr/>
+          <p:nvPr/>
+        </p:nvSpPr>
+        <p:spPr>
+          <a:xfrm>
+            <a:off x="2439054" y="2210401"/>
+            <a:ext cx="965943" cy="387927"/>
+          </a:xfrm>
+          <a:prstGeom prst="roundRect">
+            <a:avLst/>
+          </a:prstGeom>
+          <a:ln/>
+        </p:spPr>
+        <p:style>
+          <a:lnRef idx="2">
+            <a:schemeClr val="accent2">
+              <a:shade val="50000"/>
+            </a:schemeClr>
+          </a:lnRef>
+          <a:fillRef idx="1">
+            <a:schemeClr val="accent2"/>
+          </a:fillRef>
+          <a:effectRef idx="0">
+            <a:schemeClr val="accent2"/>
+          </a:effectRef>
+          <a:fontRef idx="minor">
+            <a:schemeClr val="lt1"/>
+          </a:fontRef>
+        </p:style>
+        <p:txBody>
+          <a:bodyPr rtlCol="0" anchor="ctr"/>
+          <a:lstStyle/>
+          <a:p>
+            <a:pPr algn="ctr"/>
+            <a:r>
+              <a:rPr lang="en-US" sz="1000" dirty="0"/>
+              <a:t>Peer2, Org1</a:t>
+            </a:r>
+          </a:p>
+        </p:txBody>
+      </p:sp>
+      <p:sp>
+        <p:nvSpPr>
+          <p:cNvPr id="44" name="Rounded Rectangle 43">
+            <a:extLst>
+              <a:ext uri="{FF2B5EF4-FFF2-40B4-BE49-F238E27FC236}">
+                <a16:creationId xmlns:a16="http://schemas.microsoft.com/office/drawing/2014/main" id="{CF8AD753-1A90-8045-9CA9-01BEF1D93F62}"/>
+              </a:ext>
+            </a:extLst>
+          </p:cNvPr>
+          <p:cNvSpPr/>
+          <p:nvPr/>
+        </p:nvSpPr>
+        <p:spPr>
+          <a:xfrm>
+            <a:off x="1189315" y="2210401"/>
+            <a:ext cx="1047179" cy="387927"/>
+          </a:xfrm>
+          <a:prstGeom prst="roundRect">
+            <a:avLst/>
+          </a:prstGeom>
+          <a:ln/>
+        </p:spPr>
+        <p:style>
+          <a:lnRef idx="2">
+            <a:schemeClr val="accent2">
+              <a:shade val="50000"/>
+            </a:schemeClr>
+          </a:lnRef>
+          <a:fillRef idx="1">
+            <a:schemeClr val="accent2"/>
+          </a:fillRef>
+          <a:effectRef idx="0">
+            <a:schemeClr val="accent2"/>
+          </a:effectRef>
+          <a:fontRef idx="minor">
+            <a:schemeClr val="lt1"/>
+          </a:fontRef>
+        </p:style>
+        <p:txBody>
+          <a:bodyPr rtlCol="0" anchor="ctr"/>
+          <a:lstStyle/>
+          <a:p>
+            <a:pPr algn="ctr"/>
+            <a:r>
+              <a:rPr lang="en-US" sz="1000" dirty="0"/>
+              <a:t>Peer1, Org1</a:t>
+            </a:r>
+          </a:p>
+        </p:txBody>
+      </p:sp>
+      <p:sp>
+        <p:nvSpPr>
+          <p:cNvPr id="47" name="Rounded Rectangle 46">
+            <a:extLst>
+              <a:ext uri="{FF2B5EF4-FFF2-40B4-BE49-F238E27FC236}">
+                <a16:creationId xmlns:a16="http://schemas.microsoft.com/office/drawing/2014/main" id="{4388D22E-E42A-6D49-B40D-03F2968BD7EE}"/>
+              </a:ext>
+            </a:extLst>
+          </p:cNvPr>
+          <p:cNvSpPr/>
+          <p:nvPr/>
+        </p:nvSpPr>
+        <p:spPr>
+          <a:xfrm>
+            <a:off x="3710957" y="2894219"/>
+            <a:ext cx="1421876" cy="1546646"/>
+          </a:xfrm>
+          <a:prstGeom prst="roundRect">
+            <a:avLst/>
+          </a:prstGeom>
+          <a:noFill/>
+          <a:ln/>
+        </p:spPr>
+        <p:style>
+          <a:lnRef idx="2">
+            <a:schemeClr val="accent3"/>
+          </a:lnRef>
+          <a:fillRef idx="1">
+            <a:schemeClr val="lt1"/>
+          </a:fillRef>
+          <a:effectRef idx="0">
+            <a:schemeClr val="accent3"/>
+          </a:effectRef>
+          <a:fontRef idx="minor">
+            <a:schemeClr val="dk1"/>
+          </a:fontRef>
+        </p:style>
+        <p:txBody>
+          <a:bodyPr rtlCol="0" anchor="b"/>
+          <a:lstStyle/>
+          <a:p>
+            <a:pPr algn="ctr"/>
+            <a:endParaRPr lang="en-US" sz="1400" dirty="0"/>
+          </a:p>
+        </p:txBody>
+      </p:sp>
+      <p:sp>
+        <p:nvSpPr>
+          <p:cNvPr id="51" name="Rounded Rectangle 50">
+            <a:extLst>
+              <a:ext uri="{FF2B5EF4-FFF2-40B4-BE49-F238E27FC236}">
+                <a16:creationId xmlns:a16="http://schemas.microsoft.com/office/drawing/2014/main" id="{9E97832E-5674-4D43-AC9B-B4009BD57CE6}"/>
+              </a:ext>
+            </a:extLst>
+          </p:cNvPr>
+          <p:cNvSpPr/>
+          <p:nvPr/>
+        </p:nvSpPr>
+        <p:spPr>
+          <a:xfrm>
+            <a:off x="3913514" y="3013409"/>
+            <a:ext cx="1047179" cy="387927"/>
+          </a:xfrm>
+          <a:prstGeom prst="roundRect">
+            <a:avLst/>
+          </a:prstGeom>
+          <a:ln/>
+        </p:spPr>
+        <p:style>
+          <a:lnRef idx="2">
+            <a:schemeClr val="accent2">
+              <a:shade val="50000"/>
+            </a:schemeClr>
+          </a:lnRef>
+          <a:fillRef idx="1">
+            <a:schemeClr val="accent2"/>
+          </a:fillRef>
+          <a:effectRef idx="0">
+            <a:schemeClr val="accent2"/>
+          </a:effectRef>
+          <a:fontRef idx="minor">
+            <a:schemeClr val="lt1"/>
+          </a:fontRef>
+        </p:style>
+        <p:txBody>
+          <a:bodyPr rtlCol="0" anchor="ctr"/>
+          <a:lstStyle/>
+          <a:p>
+            <a:pPr algn="ctr"/>
+            <a:r>
+              <a:rPr lang="en-US" sz="1000" dirty="0" err="1"/>
+              <a:t>Orderer</a:t>
+            </a:r>
+            <a:r>
+              <a:rPr lang="en-US" sz="1000" dirty="0"/>
+              <a:t> Service Node</a:t>
+            </a:r>
+          </a:p>
+        </p:txBody>
+      </p:sp>
+      <p:sp>
+        <p:nvSpPr>
+          <p:cNvPr id="52" name="Rounded Rectangle 51">
+            <a:extLst>
+              <a:ext uri="{FF2B5EF4-FFF2-40B4-BE49-F238E27FC236}">
+                <a16:creationId xmlns:a16="http://schemas.microsoft.com/office/drawing/2014/main" id="{5E25E819-ABED-EF45-9DD3-74C69267D08D}"/>
+              </a:ext>
+            </a:extLst>
+          </p:cNvPr>
+          <p:cNvSpPr/>
+          <p:nvPr/>
+        </p:nvSpPr>
+        <p:spPr>
+          <a:xfrm>
+            <a:off x="3914180" y="3655254"/>
+            <a:ext cx="1047179" cy="387927"/>
+          </a:xfrm>
+          <a:prstGeom prst="roundRect">
+            <a:avLst/>
+          </a:prstGeom>
+          <a:ln/>
+        </p:spPr>
+        <p:style>
+          <a:lnRef idx="2">
+            <a:schemeClr val="accent2">
+              <a:shade val="50000"/>
+            </a:schemeClr>
+          </a:lnRef>
+          <a:fillRef idx="1">
+            <a:schemeClr val="accent2"/>
+          </a:fillRef>
+          <a:effectRef idx="0">
+            <a:schemeClr val="accent2"/>
+          </a:effectRef>
+          <a:fontRef idx="minor">
+            <a:schemeClr val="lt1"/>
+          </a:fontRef>
+        </p:style>
+        <p:txBody>
+          <a:bodyPr rtlCol="0" anchor="ctr"/>
+          <a:lstStyle/>
+          <a:p>
+            <a:pPr algn="ctr"/>
+            <a:r>
+              <a:rPr lang="en-US" sz="1000" dirty="0" err="1"/>
+              <a:t>Orderer</a:t>
+            </a:r>
+            <a:r>
+              <a:rPr lang="en-US" sz="1000" dirty="0"/>
+              <a:t> Kafka Cluster</a:t>
+            </a:r>
+          </a:p>
+        </p:txBody>
+      </p:sp>
+      <p:sp>
+        <p:nvSpPr>
+          <p:cNvPr id="53" name="Rounded Rectangle 52">
+            <a:extLst>
+              <a:ext uri="{FF2B5EF4-FFF2-40B4-BE49-F238E27FC236}">
+                <a16:creationId xmlns:a16="http://schemas.microsoft.com/office/drawing/2014/main" id="{FE74D40E-B16F-D143-93AA-FCDEA06A00BF}"/>
+              </a:ext>
+            </a:extLst>
+          </p:cNvPr>
+          <p:cNvSpPr/>
+          <p:nvPr/>
+        </p:nvSpPr>
+        <p:spPr>
+          <a:xfrm>
+            <a:off x="85344" y="602999"/>
+            <a:ext cx="8814816" cy="4057956"/>
+          </a:xfrm>
+          <a:prstGeom prst="roundRect">
+            <a:avLst/>
+          </a:prstGeom>
+          <a:noFill/>
+          <a:ln/>
+        </p:spPr>
+        <p:style>
+          <a:lnRef idx="2">
+            <a:schemeClr val="accent3"/>
+          </a:lnRef>
+          <a:fillRef idx="1">
+            <a:schemeClr val="lt1"/>
+          </a:fillRef>
+          <a:effectRef idx="0">
+            <a:schemeClr val="accent3"/>
+          </a:effectRef>
+          <a:fontRef idx="minor">
+            <a:schemeClr val="dk1"/>
+          </a:fontRef>
+        </p:style>
+        <p:txBody>
+          <a:bodyPr rtlCol="0" anchor="b"/>
+          <a:lstStyle/>
+          <a:p>
+            <a:pPr algn="ctr"/>
+            <a:endParaRPr lang="en-US" sz="1400" dirty="0"/>
+          </a:p>
+        </p:txBody>
+      </p:sp>
+      <p:sp>
+        <p:nvSpPr>
+          <p:cNvPr id="21" name="Oval 20">
+            <a:extLst>
+              <a:ext uri="{FF2B5EF4-FFF2-40B4-BE49-F238E27FC236}">
+                <a16:creationId xmlns:a16="http://schemas.microsoft.com/office/drawing/2014/main" id="{62AE489B-2AD3-5A4A-925D-70A95F1D5004}"/>
+              </a:ext>
+            </a:extLst>
+          </p:cNvPr>
+          <p:cNvSpPr/>
+          <p:nvPr/>
+        </p:nvSpPr>
+        <p:spPr>
+          <a:xfrm>
+            <a:off x="386410" y="2095582"/>
+            <a:ext cx="665738" cy="617560"/>
+          </a:xfrm>
+          <a:prstGeom prst="ellipse">
+            <a:avLst/>
+          </a:prstGeom>
+          <a:ln/>
+        </p:spPr>
+        <p:style>
+          <a:lnRef idx="2">
+            <a:schemeClr val="accent2"/>
+          </a:lnRef>
+          <a:fillRef idx="1">
+            <a:schemeClr val="lt1"/>
+          </a:fillRef>
+          <a:effectRef idx="0">
+            <a:schemeClr val="accent2"/>
+          </a:effectRef>
+          <a:fontRef idx="minor">
+            <a:schemeClr val="dk1"/>
+          </a:fontRef>
+        </p:style>
+        <p:txBody>
+          <a:bodyPr rtlCol="0" anchor="ctr"/>
+          <a:lstStyle/>
+          <a:p>
+            <a:pPr algn="ctr"/>
+            <a:r>
+              <a:rPr lang="en-US" sz="1000" dirty="0"/>
+              <a:t>SDK App</a:t>
+            </a:r>
+          </a:p>
+        </p:txBody>
+      </p:sp>
+      <p:cxnSp>
+        <p:nvCxnSpPr>
+          <p:cNvPr id="8" name="Elbow Connector 7">
+            <a:extLst>
+              <a:ext uri="{FF2B5EF4-FFF2-40B4-BE49-F238E27FC236}">
+                <a16:creationId xmlns:a16="http://schemas.microsoft.com/office/drawing/2014/main" id="{1A48FAF2-E86F-D041-8239-53B5F242C273}"/>
+              </a:ext>
+            </a:extLst>
+          </p:cNvPr>
+          <p:cNvCxnSpPr>
+            <a:cxnSpLocks/>
+            <a:stCxn id="45" idx="4"/>
+            <a:endCxn id="51" idx="3"/>
+          </p:cNvCxnSpPr>
+          <p:nvPr/>
+        </p:nvCxnSpPr>
+        <p:spPr>
+          <a:xfrm rot="5400000">
+            <a:off x="6362143" y="1305997"/>
+            <a:ext cx="499926" cy="3302826"/>
+          </a:xfrm>
+          <a:prstGeom prst="bentConnector2">
+            <a:avLst/>
+          </a:prstGeom>
+          <a:ln>
+            <a:solidFill>
+              <a:schemeClr val="accent3">
+                <a:lumMod val="75000"/>
+              </a:schemeClr>
+            </a:solidFill>
+            <a:tailEnd type="triangle"/>
+          </a:ln>
+        </p:spPr>
+        <p:style>
+          <a:lnRef idx="2">
+            <a:schemeClr val="accent1"/>
+          </a:lnRef>
+          <a:fillRef idx="0">
+            <a:schemeClr val="accent1"/>
+          </a:fillRef>
+          <a:effectRef idx="1">
+            <a:schemeClr val="accent1"/>
+          </a:effectRef>
+          <a:fontRef idx="minor">
+            <a:schemeClr val="tx1"/>
+          </a:fontRef>
+        </p:style>
+      </p:cxnSp>
+      <p:cxnSp>
+        <p:nvCxnSpPr>
+          <p:cNvPr id="10" name="Straight Arrow Connector 9">
+            <a:extLst>
+              <a:ext uri="{FF2B5EF4-FFF2-40B4-BE49-F238E27FC236}">
+                <a16:creationId xmlns:a16="http://schemas.microsoft.com/office/drawing/2014/main" id="{683C8A8D-F514-7945-8F62-A424B9584D25}"/>
+              </a:ext>
+            </a:extLst>
+          </p:cNvPr>
+          <p:cNvCxnSpPr>
+            <a:cxnSpLocks/>
+            <a:stCxn id="21" idx="6"/>
+            <a:endCxn id="44" idx="1"/>
+          </p:cNvCxnSpPr>
+          <p:nvPr/>
+        </p:nvCxnSpPr>
+        <p:spPr>
+          <a:xfrm>
+            <a:off x="1052148" y="2404362"/>
+            <a:ext cx="137167" cy="3"/>
+          </a:xfrm>
+          <a:prstGeom prst="straightConnector1">
+            <a:avLst/>
+          </a:prstGeom>
+          <a:ln>
+            <a:solidFill>
+              <a:schemeClr val="accent3">
+                <a:lumMod val="75000"/>
+              </a:schemeClr>
+            </a:solidFill>
+            <a:tailEnd type="triangle"/>
+          </a:ln>
+        </p:spPr>
+        <p:style>
+          <a:lnRef idx="2">
+            <a:schemeClr val="accent1"/>
+          </a:lnRef>
+          <a:fillRef idx="0">
+            <a:schemeClr val="accent1"/>
+          </a:fillRef>
+          <a:effectRef idx="1">
+            <a:schemeClr val="accent1"/>
+          </a:effectRef>
+          <a:fontRef idx="minor">
+            <a:schemeClr val="tx1"/>
+          </a:fontRef>
+        </p:style>
+      </p:cxnSp>
+      <p:cxnSp>
+        <p:nvCxnSpPr>
+          <p:cNvPr id="14" name="Elbow Connector 13">
+            <a:extLst>
+              <a:ext uri="{FF2B5EF4-FFF2-40B4-BE49-F238E27FC236}">
+                <a16:creationId xmlns:a16="http://schemas.microsoft.com/office/drawing/2014/main" id="{4B4D1894-7B54-A54F-BF44-6A5E7BD46C85}"/>
+              </a:ext>
+            </a:extLst>
+          </p:cNvPr>
+          <p:cNvCxnSpPr>
+            <a:cxnSpLocks/>
+            <a:stCxn id="38" idx="3"/>
+            <a:endCxn id="51" idx="0"/>
+          </p:cNvCxnSpPr>
+          <p:nvPr/>
+        </p:nvCxnSpPr>
+        <p:spPr>
+          <a:xfrm>
+            <a:off x="3404997" y="2404365"/>
+            <a:ext cx="1032107" cy="609044"/>
+          </a:xfrm>
+          <a:prstGeom prst="bentConnector2">
+            <a:avLst/>
+          </a:prstGeom>
+          <a:ln>
+            <a:solidFill>
+              <a:schemeClr val="accent3">
+                <a:lumMod val="75000"/>
+              </a:schemeClr>
+            </a:solidFill>
+            <a:tailEnd type="triangle"/>
+          </a:ln>
+        </p:spPr>
+        <p:style>
+          <a:lnRef idx="2">
+            <a:schemeClr val="accent1"/>
+          </a:lnRef>
+          <a:fillRef idx="0">
+            <a:schemeClr val="accent1"/>
+          </a:fillRef>
+          <a:effectRef idx="1">
+            <a:schemeClr val="accent1"/>
+          </a:effectRef>
+          <a:fontRef idx="minor">
+            <a:schemeClr val="tx1"/>
+          </a:fontRef>
+        </p:style>
+      </p:cxnSp>
+      <p:cxnSp>
+        <p:nvCxnSpPr>
+          <p:cNvPr id="16" name="Elbow Connector 15">
+            <a:extLst>
+              <a:ext uri="{FF2B5EF4-FFF2-40B4-BE49-F238E27FC236}">
+                <a16:creationId xmlns:a16="http://schemas.microsoft.com/office/drawing/2014/main" id="{EFEF69FF-1B41-4841-9C3C-D1BF893753EA}"/>
+              </a:ext>
+            </a:extLst>
+          </p:cNvPr>
+          <p:cNvCxnSpPr>
+            <a:cxnSpLocks/>
+            <a:stCxn id="42" idx="1"/>
+            <a:endCxn id="51" idx="0"/>
+          </p:cNvCxnSpPr>
+          <p:nvPr/>
+        </p:nvCxnSpPr>
+        <p:spPr>
+          <a:xfrm rot="10800000" flipV="1">
+            <a:off x="4437105" y="2404363"/>
+            <a:ext cx="1123915" cy="609046"/>
+          </a:xfrm>
+          <a:prstGeom prst="bentConnector2">
+            <a:avLst/>
+          </a:prstGeom>
+          <a:ln>
+            <a:solidFill>
+              <a:schemeClr val="accent3">
+                <a:lumMod val="75000"/>
+              </a:schemeClr>
+            </a:solidFill>
+            <a:tailEnd type="triangle"/>
+          </a:ln>
+        </p:spPr>
+        <p:style>
+          <a:lnRef idx="2">
+            <a:schemeClr val="accent1"/>
+          </a:lnRef>
+          <a:fillRef idx="0">
+            <a:schemeClr val="accent1"/>
+          </a:fillRef>
+          <a:effectRef idx="1">
+            <a:schemeClr val="accent1"/>
+          </a:effectRef>
+          <a:fontRef idx="minor">
+            <a:schemeClr val="tx1"/>
+          </a:fontRef>
+        </p:style>
+      </p:cxnSp>
+      <p:sp>
+        <p:nvSpPr>
+          <p:cNvPr id="24" name="Rounded Rectangle 23">
+            <a:extLst>
+              <a:ext uri="{FF2B5EF4-FFF2-40B4-BE49-F238E27FC236}">
+                <a16:creationId xmlns:a16="http://schemas.microsoft.com/office/drawing/2014/main" id="{35F0F61F-2D5C-9647-B091-D24C3005E25C}"/>
+              </a:ext>
+            </a:extLst>
+          </p:cNvPr>
+          <p:cNvSpPr/>
+          <p:nvPr/>
+        </p:nvSpPr>
+        <p:spPr>
+          <a:xfrm>
+            <a:off x="2439054" y="1645590"/>
+            <a:ext cx="965943" cy="387927"/>
+          </a:xfrm>
+          <a:prstGeom prst="roundRect">
+            <a:avLst/>
+          </a:prstGeom>
+          <a:ln/>
+        </p:spPr>
+        <p:style>
+          <a:lnRef idx="2">
+            <a:schemeClr val="accent2">
+              <a:shade val="50000"/>
+            </a:schemeClr>
+          </a:lnRef>
+          <a:fillRef idx="1">
+            <a:schemeClr val="accent2"/>
+          </a:fillRef>
+          <a:effectRef idx="0">
+            <a:schemeClr val="accent2"/>
+          </a:effectRef>
+          <a:fontRef idx="minor">
+            <a:schemeClr val="lt1"/>
+          </a:fontRef>
+        </p:style>
+        <p:txBody>
+          <a:bodyPr rtlCol="0" anchor="ctr"/>
+          <a:lstStyle/>
+          <a:p>
+            <a:pPr algn="ctr"/>
+            <a:r>
+              <a:rPr lang="en-US" sz="1000" dirty="0"/>
+              <a:t>CLI</a:t>
+            </a:r>
+          </a:p>
+        </p:txBody>
+      </p:sp>
+      <p:sp>
+        <p:nvSpPr>
+          <p:cNvPr id="25" name="Rounded Rectangle 24">
+            <a:extLst>
+              <a:ext uri="{FF2B5EF4-FFF2-40B4-BE49-F238E27FC236}">
+                <a16:creationId xmlns:a16="http://schemas.microsoft.com/office/drawing/2014/main" id="{73997CA9-3BEF-9343-AD5E-191C9575C4FD}"/>
+              </a:ext>
+            </a:extLst>
+          </p:cNvPr>
+          <p:cNvSpPr/>
+          <p:nvPr/>
+        </p:nvSpPr>
+        <p:spPr>
+          <a:xfrm>
+            <a:off x="1189315" y="1645590"/>
+            <a:ext cx="1047179" cy="387927"/>
+          </a:xfrm>
+          <a:prstGeom prst="roundRect">
+            <a:avLst/>
+          </a:prstGeom>
+          <a:ln/>
+        </p:spPr>
+        <p:style>
+          <a:lnRef idx="2">
+            <a:schemeClr val="accent2">
+              <a:shade val="50000"/>
+            </a:schemeClr>
+          </a:lnRef>
+          <a:fillRef idx="1">
+            <a:schemeClr val="accent2"/>
+          </a:fillRef>
+          <a:effectRef idx="0">
+            <a:schemeClr val="accent2"/>
+          </a:effectRef>
+          <a:fontRef idx="minor">
+            <a:schemeClr val="lt1"/>
+          </a:fontRef>
+        </p:style>
+        <p:txBody>
+          <a:bodyPr rtlCol="0" anchor="ctr"/>
+          <a:lstStyle/>
+          <a:p>
+            <a:pPr algn="ctr"/>
+            <a:r>
+              <a:rPr lang="en-US" sz="1000" dirty="0"/>
+              <a:t>Certificate Authority</a:t>
+            </a:r>
+          </a:p>
+        </p:txBody>
+      </p:sp>
+      <p:sp>
+        <p:nvSpPr>
+          <p:cNvPr id="28" name="Rounded Rectangle 27">
+            <a:extLst>
+              <a:ext uri="{FF2B5EF4-FFF2-40B4-BE49-F238E27FC236}">
+                <a16:creationId xmlns:a16="http://schemas.microsoft.com/office/drawing/2014/main" id="{DEBE6280-30C9-5441-B004-C6B451EA930A}"/>
+              </a:ext>
+            </a:extLst>
+          </p:cNvPr>
+          <p:cNvSpPr/>
+          <p:nvPr/>
+        </p:nvSpPr>
+        <p:spPr>
+          <a:xfrm>
+            <a:off x="6810758" y="1649602"/>
+            <a:ext cx="965943" cy="387927"/>
+          </a:xfrm>
+          <a:prstGeom prst="roundRect">
+            <a:avLst/>
+          </a:prstGeom>
+          <a:ln/>
+        </p:spPr>
+        <p:style>
+          <a:lnRef idx="2">
+            <a:schemeClr val="accent2">
+              <a:shade val="50000"/>
+            </a:schemeClr>
+          </a:lnRef>
+          <a:fillRef idx="1">
+            <a:schemeClr val="accent2"/>
+          </a:fillRef>
+          <a:effectRef idx="0">
+            <a:schemeClr val="accent2"/>
+          </a:effectRef>
+          <a:fontRef idx="minor">
+            <a:schemeClr val="lt1"/>
+          </a:fontRef>
+        </p:style>
+        <p:txBody>
+          <a:bodyPr rtlCol="0" anchor="ctr"/>
+          <a:lstStyle/>
+          <a:p>
+            <a:pPr algn="ctr"/>
+            <a:r>
+              <a:rPr lang="en-US" sz="1000" dirty="0"/>
+              <a:t>CLI</a:t>
+            </a:r>
+          </a:p>
+        </p:txBody>
+      </p:sp>
+      <p:sp>
+        <p:nvSpPr>
+          <p:cNvPr id="29" name="Rounded Rectangle 28">
+            <a:extLst>
+              <a:ext uri="{FF2B5EF4-FFF2-40B4-BE49-F238E27FC236}">
+                <a16:creationId xmlns:a16="http://schemas.microsoft.com/office/drawing/2014/main" id="{9E397DE3-597E-8240-9575-27C39D641909}"/>
+              </a:ext>
+            </a:extLst>
+          </p:cNvPr>
+          <p:cNvSpPr/>
+          <p:nvPr/>
+        </p:nvSpPr>
+        <p:spPr>
+          <a:xfrm>
+            <a:off x="5561019" y="1649602"/>
+            <a:ext cx="1047179" cy="387927"/>
+          </a:xfrm>
+          <a:prstGeom prst="roundRect">
+            <a:avLst/>
+          </a:prstGeom>
+          <a:ln/>
+        </p:spPr>
+        <p:style>
+          <a:lnRef idx="2">
+            <a:schemeClr val="accent2">
+              <a:shade val="50000"/>
+            </a:schemeClr>
+          </a:lnRef>
+          <a:fillRef idx="1">
+            <a:schemeClr val="accent2"/>
+          </a:fillRef>
+          <a:effectRef idx="0">
+            <a:schemeClr val="accent2"/>
+          </a:effectRef>
+          <a:fontRef idx="minor">
+            <a:schemeClr val="lt1"/>
+          </a:fontRef>
+        </p:style>
+        <p:txBody>
+          <a:bodyPr rtlCol="0" anchor="ctr"/>
+          <a:lstStyle/>
+          <a:p>
+            <a:pPr algn="ctr"/>
+            <a:r>
+              <a:rPr lang="en-US" sz="1000" dirty="0"/>
+              <a:t>Certificate Authority</a:t>
+            </a:r>
+          </a:p>
+        </p:txBody>
+      </p:sp>
+      <p:cxnSp>
+        <p:nvCxnSpPr>
+          <p:cNvPr id="31" name="Elbow Connector 30">
+            <a:extLst>
+              <a:ext uri="{FF2B5EF4-FFF2-40B4-BE49-F238E27FC236}">
+                <a16:creationId xmlns:a16="http://schemas.microsoft.com/office/drawing/2014/main" id="{A4F71BBD-AB8E-A74D-9A41-7A05783F4574}"/>
+              </a:ext>
+            </a:extLst>
+          </p:cNvPr>
+          <p:cNvCxnSpPr>
+            <a:stCxn id="21" idx="4"/>
+            <a:endCxn id="51" idx="1"/>
+          </p:cNvCxnSpPr>
+          <p:nvPr/>
+        </p:nvCxnSpPr>
+        <p:spPr>
+          <a:xfrm rot="16200000" flipH="1">
+            <a:off x="2069281" y="1363139"/>
+            <a:ext cx="494231" cy="3194235"/>
+          </a:xfrm>
+          <a:prstGeom prst="bentConnector2">
+            <a:avLst/>
+          </a:prstGeom>
+          <a:ln>
+            <a:solidFill>
+              <a:schemeClr val="accent3">
+                <a:lumMod val="75000"/>
+              </a:schemeClr>
+            </a:solidFill>
+            <a:tailEnd type="triangle"/>
+          </a:ln>
+        </p:spPr>
+        <p:style>
+          <a:lnRef idx="2">
+            <a:schemeClr val="accent1"/>
+          </a:lnRef>
+          <a:fillRef idx="0">
+            <a:schemeClr val="accent1"/>
+          </a:fillRef>
+          <a:effectRef idx="1">
+            <a:schemeClr val="accent1"/>
+          </a:effectRef>
+          <a:fontRef idx="minor">
+            <a:schemeClr val="tx1"/>
+          </a:fontRef>
+        </p:style>
+      </p:cxnSp>
+      <p:sp>
+        <p:nvSpPr>
+          <p:cNvPr id="32" name="TextBox 31">
+            <a:extLst>
+              <a:ext uri="{FF2B5EF4-FFF2-40B4-BE49-F238E27FC236}">
+                <a16:creationId xmlns:a16="http://schemas.microsoft.com/office/drawing/2014/main" id="{3288B6A4-8C3F-FE43-800F-7ADAF482A388}"/>
+              </a:ext>
+            </a:extLst>
+          </p:cNvPr>
+          <p:cNvSpPr txBox="1"/>
+          <p:nvPr/>
+        </p:nvSpPr>
+        <p:spPr>
+          <a:xfrm>
+            <a:off x="1662768" y="1232653"/>
+            <a:ext cx="573725" cy="246221"/>
+          </a:xfrm>
+          <a:prstGeom prst="rect">
+            <a:avLst/>
+          </a:prstGeom>
+          <a:noFill/>
+        </p:spPr>
+        <p:txBody>
+          <a:bodyPr wrap="square" rtlCol="0">
+            <a:spAutoFit/>
+          </a:bodyPr>
+          <a:lstStyle/>
+          <a:p>
+            <a:r>
+              <a:rPr lang="en-US" sz="1000" b="1" dirty="0"/>
+              <a:t>Org 1</a:t>
+            </a:r>
+          </a:p>
+        </p:txBody>
+      </p:sp>
+      <p:sp>
+        <p:nvSpPr>
+          <p:cNvPr id="43" name="Rounded Rectangle 42">
+            <a:extLst>
+              <a:ext uri="{FF2B5EF4-FFF2-40B4-BE49-F238E27FC236}">
+                <a16:creationId xmlns:a16="http://schemas.microsoft.com/office/drawing/2014/main" id="{32D2B8CE-096B-924F-A123-A2C4C581BC3B}"/>
+              </a:ext>
+            </a:extLst>
+          </p:cNvPr>
+          <p:cNvSpPr/>
+          <p:nvPr/>
+        </p:nvSpPr>
+        <p:spPr>
+          <a:xfrm>
+            <a:off x="5438793" y="1177734"/>
+            <a:ext cx="3217707" cy="1711566"/>
+          </a:xfrm>
+          <a:prstGeom prst="roundRect">
+            <a:avLst/>
+          </a:prstGeom>
+          <a:noFill/>
+          <a:ln/>
+        </p:spPr>
+        <p:style>
+          <a:lnRef idx="2">
+            <a:schemeClr val="accent3"/>
+          </a:lnRef>
+          <a:fillRef idx="1">
+            <a:schemeClr val="lt1"/>
+          </a:fillRef>
+          <a:effectRef idx="0">
+            <a:schemeClr val="accent3"/>
+          </a:effectRef>
+          <a:fontRef idx="minor">
+            <a:schemeClr val="dk1"/>
+          </a:fontRef>
+        </p:style>
+        <p:txBody>
+          <a:bodyPr rtlCol="0" anchor="t"/>
+          <a:lstStyle/>
+          <a:p>
+            <a:pPr algn="ctr"/>
+            <a:endParaRPr lang="en-US" sz="1400" dirty="0"/>
+          </a:p>
+        </p:txBody>
+      </p:sp>
+      <p:sp>
+        <p:nvSpPr>
+          <p:cNvPr id="45" name="Oval 44">
+            <a:extLst>
+              <a:ext uri="{FF2B5EF4-FFF2-40B4-BE49-F238E27FC236}">
+                <a16:creationId xmlns:a16="http://schemas.microsoft.com/office/drawing/2014/main" id="{A261FD1E-74EB-3042-B91E-0DE9FB926111}"/>
+              </a:ext>
+            </a:extLst>
+          </p:cNvPr>
+          <p:cNvSpPr/>
+          <p:nvPr/>
+        </p:nvSpPr>
+        <p:spPr>
+          <a:xfrm>
+            <a:off x="7930650" y="2089887"/>
+            <a:ext cx="665738" cy="617560"/>
+          </a:xfrm>
+          <a:prstGeom prst="ellipse">
+            <a:avLst/>
+          </a:prstGeom>
+          <a:ln/>
+        </p:spPr>
+        <p:style>
+          <a:lnRef idx="2">
+            <a:schemeClr val="accent2"/>
+          </a:lnRef>
+          <a:fillRef idx="1">
+            <a:schemeClr val="lt1"/>
+          </a:fillRef>
+          <a:effectRef idx="0">
+            <a:schemeClr val="accent2"/>
+          </a:effectRef>
+          <a:fontRef idx="minor">
+            <a:schemeClr val="dk1"/>
+          </a:fontRef>
+        </p:style>
+        <p:txBody>
+          <a:bodyPr rtlCol="0" anchor="ctr"/>
+          <a:lstStyle/>
+          <a:p>
+            <a:pPr algn="ctr"/>
+            <a:r>
+              <a:rPr lang="en-US" sz="1000" dirty="0"/>
+              <a:t>SDK App</a:t>
+            </a:r>
+          </a:p>
+        </p:txBody>
+      </p:sp>
+      <p:sp>
+        <p:nvSpPr>
+          <p:cNvPr id="46" name="TextBox 45">
+            <a:extLst>
+              <a:ext uri="{FF2B5EF4-FFF2-40B4-BE49-F238E27FC236}">
+                <a16:creationId xmlns:a16="http://schemas.microsoft.com/office/drawing/2014/main" id="{B85B6F27-20B6-884E-B256-656B40B78BAC}"/>
+              </a:ext>
+            </a:extLst>
+          </p:cNvPr>
+          <p:cNvSpPr txBox="1"/>
+          <p:nvPr/>
+        </p:nvSpPr>
+        <p:spPr>
+          <a:xfrm>
+            <a:off x="6793273" y="1227734"/>
+            <a:ext cx="573725" cy="246221"/>
+          </a:xfrm>
+          <a:prstGeom prst="rect">
+            <a:avLst/>
+          </a:prstGeom>
+          <a:noFill/>
+        </p:spPr>
+        <p:txBody>
+          <a:bodyPr wrap="square" rtlCol="0">
+            <a:spAutoFit/>
+          </a:bodyPr>
+          <a:lstStyle/>
+          <a:p>
+            <a:r>
+              <a:rPr lang="en-US" sz="1000" b="1" dirty="0"/>
+              <a:t>Org 2</a:t>
+            </a:r>
+          </a:p>
+        </p:txBody>
+      </p:sp>
+      <p:cxnSp>
+        <p:nvCxnSpPr>
+          <p:cNvPr id="34" name="Straight Arrow Connector 33">
+            <a:extLst>
+              <a:ext uri="{FF2B5EF4-FFF2-40B4-BE49-F238E27FC236}">
+                <a16:creationId xmlns:a16="http://schemas.microsoft.com/office/drawing/2014/main" id="{A653010C-C9BD-104E-8D94-E13D5CA2CEB1}"/>
+              </a:ext>
+            </a:extLst>
+          </p:cNvPr>
+          <p:cNvCxnSpPr>
+            <a:stCxn id="45" idx="2"/>
+            <a:endCxn id="39" idx="3"/>
+          </p:cNvCxnSpPr>
+          <p:nvPr/>
+        </p:nvCxnSpPr>
+        <p:spPr>
+          <a:xfrm flipH="1">
+            <a:off x="7776701" y="2398667"/>
+            <a:ext cx="153949" cy="5696"/>
+          </a:xfrm>
+          <a:prstGeom prst="straightConnector1">
+            <a:avLst/>
+          </a:prstGeom>
+          <a:ln>
+            <a:solidFill>
+              <a:schemeClr val="accent3">
+                <a:lumMod val="75000"/>
+              </a:schemeClr>
+            </a:solidFill>
+            <a:tailEnd type="triangle"/>
+          </a:ln>
+        </p:spPr>
+        <p:style>
+          <a:lnRef idx="2">
+            <a:schemeClr val="accent1"/>
+          </a:lnRef>
+          <a:fillRef idx="0">
+            <a:schemeClr val="accent1"/>
+          </a:fillRef>
+          <a:effectRef idx="1">
+            <a:schemeClr val="accent1"/>
+          </a:effectRef>
+          <a:fontRef idx="minor">
+            <a:schemeClr val="tx1"/>
+          </a:fontRef>
+        </p:style>
+      </p:cxnSp>
+      <p:cxnSp>
+        <p:nvCxnSpPr>
+          <p:cNvPr id="54" name="Straight Arrow Connector 53">
+            <a:extLst>
+              <a:ext uri="{FF2B5EF4-FFF2-40B4-BE49-F238E27FC236}">
+                <a16:creationId xmlns:a16="http://schemas.microsoft.com/office/drawing/2014/main" id="{5A462A37-BC8E-6644-A2E1-D9EEA62343CF}"/>
+              </a:ext>
+            </a:extLst>
+          </p:cNvPr>
+          <p:cNvCxnSpPr>
+            <a:stCxn id="24" idx="2"/>
+            <a:endCxn id="38" idx="0"/>
+          </p:cNvCxnSpPr>
+          <p:nvPr/>
+        </p:nvCxnSpPr>
+        <p:spPr>
+          <a:xfrm>
+            <a:off x="2922026" y="2033517"/>
+            <a:ext cx="0" cy="176884"/>
+          </a:xfrm>
+          <a:prstGeom prst="straightConnector1">
+            <a:avLst/>
+          </a:prstGeom>
+          <a:ln>
+            <a:solidFill>
+              <a:schemeClr val="accent3">
+                <a:lumMod val="75000"/>
+              </a:schemeClr>
+            </a:solidFill>
+            <a:tailEnd type="triangle"/>
+          </a:ln>
+        </p:spPr>
+        <p:style>
+          <a:lnRef idx="2">
+            <a:schemeClr val="accent1"/>
+          </a:lnRef>
+          <a:fillRef idx="0">
+            <a:schemeClr val="accent1"/>
+          </a:fillRef>
+          <a:effectRef idx="1">
+            <a:schemeClr val="accent1"/>
+          </a:effectRef>
+          <a:fontRef idx="minor">
+            <a:schemeClr val="tx1"/>
+          </a:fontRef>
+        </p:style>
+      </p:cxnSp>
+      <p:cxnSp>
+        <p:nvCxnSpPr>
+          <p:cNvPr id="56" name="Straight Arrow Connector 55">
+            <a:extLst>
+              <a:ext uri="{FF2B5EF4-FFF2-40B4-BE49-F238E27FC236}">
+                <a16:creationId xmlns:a16="http://schemas.microsoft.com/office/drawing/2014/main" id="{26B70367-6CDF-3046-97B4-4B69721EE0C9}"/>
+              </a:ext>
+            </a:extLst>
+          </p:cNvPr>
+          <p:cNvCxnSpPr>
+            <a:stCxn id="28" idx="2"/>
+            <a:endCxn id="39" idx="0"/>
+          </p:cNvCxnSpPr>
+          <p:nvPr/>
+        </p:nvCxnSpPr>
+        <p:spPr>
+          <a:xfrm>
+            <a:off x="7293730" y="2037529"/>
+            <a:ext cx="0" cy="172870"/>
+          </a:xfrm>
+          <a:prstGeom prst="straightConnector1">
+            <a:avLst/>
+          </a:prstGeom>
+          <a:ln>
+            <a:solidFill>
+              <a:schemeClr val="accent3">
+                <a:lumMod val="75000"/>
+              </a:schemeClr>
+            </a:solidFill>
+            <a:tailEnd type="triangle"/>
+          </a:ln>
+        </p:spPr>
+        <p:style>
+          <a:lnRef idx="2">
+            <a:schemeClr val="accent1"/>
+          </a:lnRef>
+          <a:fillRef idx="0">
+            <a:schemeClr val="accent1"/>
+          </a:fillRef>
+          <a:effectRef idx="1">
+            <a:schemeClr val="accent1"/>
+          </a:effectRef>
+          <a:fontRef idx="minor">
+            <a:schemeClr val="tx1"/>
+          </a:fontRef>
+        </p:style>
+      </p:cxnSp>
+      <p:sp>
+        <p:nvSpPr>
+          <p:cNvPr id="57" name="TextBox 56">
+            <a:extLst>
+              <a:ext uri="{FF2B5EF4-FFF2-40B4-BE49-F238E27FC236}">
+                <a16:creationId xmlns:a16="http://schemas.microsoft.com/office/drawing/2014/main" id="{BFA87484-09D6-A143-A1A1-4724DB63C8B4}"/>
+              </a:ext>
+            </a:extLst>
+          </p:cNvPr>
+          <p:cNvSpPr txBox="1"/>
+          <p:nvPr/>
+        </p:nvSpPr>
+        <p:spPr>
+          <a:xfrm>
+            <a:off x="3710957" y="4145108"/>
+            <a:ext cx="1421876" cy="246221"/>
+          </a:xfrm>
+          <a:prstGeom prst="rect">
+            <a:avLst/>
+          </a:prstGeom>
+          <a:noFill/>
+        </p:spPr>
+        <p:txBody>
+          <a:bodyPr wrap="square" rtlCol="0">
+            <a:spAutoFit/>
+          </a:bodyPr>
+          <a:lstStyle/>
+          <a:p>
+            <a:pPr algn="ctr"/>
+            <a:r>
+              <a:rPr lang="en-US" sz="1000" b="1" dirty="0" err="1"/>
+              <a:t>Orderer</a:t>
+            </a:r>
+            <a:r>
+              <a:rPr lang="en-US" sz="1000" b="1" dirty="0"/>
+              <a:t> – Org 0</a:t>
+            </a:r>
+          </a:p>
+        </p:txBody>
+      </p:sp>
+      <p:pic>
+        <p:nvPicPr>
+          <p:cNvPr id="33" name="Picture 4" descr="Related image">
+            <a:extLst>
+              <a:ext uri="{FF2B5EF4-FFF2-40B4-BE49-F238E27FC236}">
+                <a16:creationId xmlns:a16="http://schemas.microsoft.com/office/drawing/2014/main" id="{EE8E3831-EA7F-2345-BA14-A3F04AF02905}"/>
+              </a:ext>
+            </a:extLst>
+          </p:cNvPr>
+          <p:cNvPicPr>
+            <a:picLocks noChangeAspect="1" noChangeArrowheads="1"/>
+          </p:cNvPicPr>
+          <p:nvPr/>
+        </p:nvPicPr>
+        <p:blipFill>
+          <a:blip r:embed="rId3">
+            <a:extLst>
+              <a:ext uri="{28A0092B-C50C-407E-A947-70E740481C1C}">
+                <a14:useLocalDpi xmlns:a14="http://schemas.microsoft.com/office/drawing/2010/main" val="0"/>
+              </a:ext>
+            </a:extLst>
+          </a:blip>
+          <a:srcRect/>
+          <a:stretch>
+            <a:fillRect/>
+          </a:stretch>
+        </p:blipFill>
+        <p:spPr bwMode="auto">
+          <a:xfrm>
+            <a:off x="7738057" y="525057"/>
+            <a:ext cx="564609" cy="462980"/>
+          </a:xfrm>
+          <a:prstGeom prst="rect">
+            <a:avLst/>
+          </a:prstGeom>
+          <a:noFill/>
+          <a:extLst>
+            <a:ext uri="{909E8E84-426E-40DD-AFC4-6F175D3DCCD1}">
+              <a14:hiddenFill xmlns:a14="http://schemas.microsoft.com/office/drawing/2010/main">
+                <a:solidFill>
+                  <a:srgbClr val="FFFFFF"/>
+                </a:solidFill>
+              </a14:hiddenFill>
+            </a:ext>
+          </a:extLst>
+        </p:spPr>
+      </p:pic>
+    </p:spTree>
+    <p:extLst>
+      <p:ext uri="{BB962C8B-B14F-4D97-AF65-F5344CB8AC3E}">
+        <p14:creationId xmlns:p14="http://schemas.microsoft.com/office/powerpoint/2010/main" val="1025799804"/>
       </p:ext>
     </p:extLst>
   </p:cSld>

--- a/architecture/HyperledgerOnKubernetesArchitecture.pptx
+++ b/architecture/HyperledgerOnKubernetesArchitecture.pptx
@@ -349,7 +349,7 @@
             <a:fld id="{0B25AC41-3BEC-9247-8322-91B80C013F2D}" type="datetimeFigureOut">
               <a:rPr lang="en-US" smtClean="0"/>
               <a:pPr/>
-              <a:t>8/30/18</a:t>
+              <a:t>9/15/18</a:t>
             </a:fld>
             <a:endParaRPr lang="en-US" dirty="0"/>
           </a:p>
@@ -14818,7 +14818,7 @@
         </p:nvGrpSpPr>
         <p:grpSpPr>
           <a:xfrm>
-            <a:off x="2713667" y="2908651"/>
+            <a:off x="2713667" y="2718651"/>
             <a:ext cx="3232324" cy="984395"/>
             <a:chOff x="6743700" y="760413"/>
             <a:chExt cx="1752600" cy="1733550"/>
@@ -15088,7 +15088,7 @@
         </p:nvSpPr>
         <p:spPr>
           <a:xfrm>
-            <a:off x="2448910" y="1268436"/>
+            <a:off x="2448910" y="1078436"/>
             <a:ext cx="3699436" cy="3217670"/>
           </a:xfrm>
           <a:prstGeom prst="roundRect">
@@ -15164,7 +15164,7 @@
         </p:blipFill>
         <p:spPr>
           <a:xfrm>
-            <a:off x="2802296" y="961668"/>
+            <a:off x="2802296" y="771668"/>
             <a:ext cx="449378" cy="449378"/>
           </a:xfrm>
           <a:prstGeom prst="rect">
@@ -15186,7 +15186,7 @@
         </p:nvGrpSpPr>
         <p:grpSpPr>
           <a:xfrm>
-            <a:off x="2526440" y="1351666"/>
+            <a:off x="2526440" y="1161666"/>
             <a:ext cx="1596890" cy="3095517"/>
             <a:chOff x="2549525" y="760413"/>
             <a:chExt cx="1689100" cy="1738034"/>
@@ -15320,7 +15320,7 @@
         </p:nvSpPr>
         <p:spPr>
           <a:xfrm>
-            <a:off x="2571700" y="2563392"/>
+            <a:off x="2571700" y="2373392"/>
             <a:ext cx="1488768" cy="1704512"/>
           </a:xfrm>
           <a:prstGeom prst="roundRect">
@@ -15384,7 +15384,7 @@
         </p:nvSpPr>
         <p:spPr bwMode="auto">
           <a:xfrm>
-            <a:off x="2736776" y="4091689"/>
+            <a:off x="2736776" y="3901689"/>
             <a:ext cx="1181898" cy="196208"/>
           </a:xfrm>
           <a:prstGeom prst="rect">
@@ -15430,7 +15430,7 @@
         </p:nvSpPr>
         <p:spPr bwMode="auto">
           <a:xfrm>
-            <a:off x="2802297" y="2988220"/>
+            <a:off x="2802297" y="2798220"/>
             <a:ext cx="3081846" cy="790526"/>
           </a:xfrm>
           <a:prstGeom prst="roundRect">
@@ -15500,7 +15500,7 @@
         </p:blipFill>
         <p:spPr>
           <a:xfrm>
-            <a:off x="2854066" y="2444331"/>
+            <a:off x="2854066" y="2254331"/>
             <a:ext cx="161925" cy="180975"/>
           </a:xfrm>
           <a:prstGeom prst="rect">
@@ -15522,7 +15522,7 @@
         </p:nvGrpSpPr>
         <p:grpSpPr>
           <a:xfrm>
-            <a:off x="2580288" y="1587052"/>
+            <a:off x="2580288" y="1397052"/>
             <a:ext cx="1453961" cy="869232"/>
             <a:chOff x="4614166" y="2802748"/>
             <a:chExt cx="1752600" cy="1858455"/>
@@ -15653,7 +15653,7 @@
         </p:nvSpPr>
         <p:spPr>
           <a:xfrm>
-            <a:off x="4014318" y="2054380"/>
+            <a:off x="4014318" y="1864380"/>
             <a:ext cx="578100" cy="180650"/>
           </a:xfrm>
           <a:prstGeom prst="rect">
@@ -15703,7 +15703,7 @@
         </p:blipFill>
         <p:spPr>
           <a:xfrm>
-            <a:off x="4160855" y="1764840"/>
+            <a:off x="4160855" y="1574840"/>
             <a:ext cx="259811" cy="270000"/>
           </a:xfrm>
           <a:prstGeom prst="rect">
@@ -15733,7 +15733,7 @@
         </p:blipFill>
         <p:spPr>
           <a:xfrm>
-            <a:off x="2854067" y="1461748"/>
+            <a:off x="2854067" y="1271748"/>
             <a:ext cx="161925" cy="180975"/>
           </a:xfrm>
           <a:prstGeom prst="rect">
@@ -15770,7 +15770,7 @@
         </p:blipFill>
         <p:spPr bwMode="auto">
           <a:xfrm>
-            <a:off x="5373104" y="2586747"/>
+            <a:off x="5373104" y="2396747"/>
             <a:ext cx="448991" cy="368173"/>
           </a:xfrm>
           <a:prstGeom prst="rect">
@@ -15802,7 +15802,7 @@
         </p:nvGrpSpPr>
         <p:grpSpPr>
           <a:xfrm>
-            <a:off x="3114285" y="3020155"/>
+            <a:off x="3114285" y="2830155"/>
             <a:ext cx="981196" cy="799781"/>
             <a:chOff x="1724620" y="3715170"/>
             <a:chExt cx="1308261" cy="1066375"/>
@@ -16161,7 +16161,7 @@
         </p:nvGrpSpPr>
         <p:grpSpPr>
           <a:xfrm>
-            <a:off x="4511402" y="3020155"/>
+            <a:off x="4511402" y="2830155"/>
             <a:ext cx="981196" cy="799781"/>
             <a:chOff x="1724620" y="3715170"/>
             <a:chExt cx="1308261" cy="1066375"/>
@@ -16520,7 +16520,7 @@
         </p:nvGrpSpPr>
         <p:grpSpPr>
           <a:xfrm>
-            <a:off x="2713667" y="1712033"/>
+            <a:off x="2713667" y="1522033"/>
             <a:ext cx="3232325" cy="564760"/>
             <a:chOff x="6743700" y="760413"/>
             <a:chExt cx="1752600" cy="1733550"/>
@@ -16740,7 +16740,7 @@
         </p:nvSpPr>
         <p:spPr>
           <a:xfrm>
-            <a:off x="3763287" y="4774168"/>
+            <a:off x="3763287" y="4584168"/>
             <a:ext cx="2647423" cy="369332"/>
           </a:xfrm>
           <a:prstGeom prst="rect">
@@ -16772,7 +16772,7 @@
         </p:nvSpPr>
         <p:spPr>
           <a:xfrm>
-            <a:off x="3205688" y="4504963"/>
+            <a:off x="3205688" y="4314963"/>
             <a:ext cx="2689842" cy="369332"/>
           </a:xfrm>
           <a:prstGeom prst="rect">
@@ -16821,7 +16821,7 @@
         </p:nvCxnSpPr>
         <p:spPr>
           <a:xfrm rot="10800000" flipV="1">
-            <a:off x="3601681" y="1899840"/>
+            <a:off x="3601681" y="1709840"/>
             <a:ext cx="559175" cy="1145120"/>
           </a:xfrm>
           <a:prstGeom prst="bentConnector2">
@@ -16869,7 +16869,7 @@
         </p:nvCxnSpPr>
         <p:spPr>
           <a:xfrm>
-            <a:off x="4420666" y="1899840"/>
+            <a:off x="4420666" y="1709840"/>
             <a:ext cx="578131" cy="1145120"/>
           </a:xfrm>
           <a:prstGeom prst="bentConnector2">
@@ -16927,7 +16927,7 @@
         </p:blipFill>
         <p:spPr>
           <a:xfrm>
-            <a:off x="5274753" y="1742274"/>
+            <a:off x="5274753" y="1552274"/>
             <a:ext cx="312868" cy="375441"/>
           </a:xfrm>
           <a:prstGeom prst="rect">
@@ -16949,7 +16949,7 @@
         </p:nvSpPr>
         <p:spPr>
           <a:xfrm>
-            <a:off x="5109297" y="2126269"/>
+            <a:off x="5109297" y="1936269"/>
             <a:ext cx="643781" cy="155632"/>
           </a:xfrm>
           <a:prstGeom prst="rect">
@@ -16999,7 +16999,7 @@
         </p:blipFill>
         <p:spPr>
           <a:xfrm>
-            <a:off x="6566052" y="3219905"/>
+            <a:off x="6566052" y="3029905"/>
             <a:ext cx="321818" cy="386181"/>
           </a:xfrm>
           <a:prstGeom prst="rect">
@@ -17021,7 +17021,7 @@
         </p:nvSpPr>
         <p:spPr>
           <a:xfrm>
-            <a:off x="6909996" y="3381051"/>
+            <a:off x="6909996" y="3191051"/>
             <a:ext cx="512483" cy="92188"/>
           </a:xfrm>
           <a:prstGeom prst="rect">
@@ -17053,15 +17053,16 @@
             </a:extLst>
           </p:cNvPr>
           <p:cNvCxnSpPr>
+            <a:cxnSpLocks/>
             <a:stCxn id="144" idx="0"/>
-            <a:endCxn id="122" idx="3"/>
+            <a:endCxn id="150" idx="3"/>
           </p:cNvCxnSpPr>
           <p:nvPr/>
         </p:nvCxnSpPr>
         <p:spPr>
           <a:xfrm rot="16200000" flipV="1">
-            <a:off x="5512336" y="2005280"/>
-            <a:ext cx="1289910" cy="1139340"/>
+            <a:off x="5749630" y="2052574"/>
+            <a:ext cx="1227447" cy="727216"/>
           </a:xfrm>
           <a:prstGeom prst="bentConnector2">
             <a:avLst/>
@@ -17109,7 +17110,7 @@
         </p:nvCxnSpPr>
         <p:spPr>
           <a:xfrm rot="10800000" flipV="1">
-            <a:off x="6020728" y="3412995"/>
+            <a:off x="6020728" y="3222995"/>
             <a:ext cx="545325" cy="7209"/>
           </a:xfrm>
           <a:prstGeom prst="bentConnector3">
@@ -17156,7 +17157,7 @@
         </p:nvSpPr>
         <p:spPr>
           <a:xfrm>
-            <a:off x="4531959" y="2567949"/>
+            <a:off x="4531959" y="2377949"/>
             <a:ext cx="1488768" cy="1704512"/>
           </a:xfrm>
           <a:prstGeom prst="roundRect">
@@ -17220,7 +17221,7 @@
         </p:nvSpPr>
         <p:spPr bwMode="auto">
           <a:xfrm>
-            <a:off x="4697035" y="4096246"/>
+            <a:off x="4697035" y="3906246"/>
             <a:ext cx="1181898" cy="196208"/>
           </a:xfrm>
           <a:prstGeom prst="rect">
@@ -17266,7 +17267,7 @@
         </p:nvGrpSpPr>
         <p:grpSpPr>
           <a:xfrm>
-            <a:off x="4545784" y="1587052"/>
+            <a:off x="4545784" y="1397052"/>
             <a:ext cx="1453961" cy="859216"/>
             <a:chOff x="4629150" y="2824163"/>
             <a:chExt cx="1752600" cy="1837040"/>
@@ -17397,7 +17398,7 @@
         </p:nvGrpSpPr>
         <p:grpSpPr>
           <a:xfrm>
-            <a:off x="4461357" y="1347672"/>
+            <a:off x="4461357" y="1157672"/>
             <a:ext cx="1622816" cy="3095517"/>
             <a:chOff x="2549525" y="760413"/>
             <a:chExt cx="1689100" cy="1738034"/>
@@ -17539,7 +17540,7 @@
         </p:blipFill>
         <p:spPr>
           <a:xfrm>
-            <a:off x="4836872" y="1465472"/>
+            <a:off x="4836872" y="1275472"/>
             <a:ext cx="161925" cy="180975"/>
           </a:xfrm>
           <a:prstGeom prst="rect">
@@ -17569,7 +17570,7 @@
         </p:blipFill>
         <p:spPr>
           <a:xfrm>
-            <a:off x="4835805" y="2460452"/>
+            <a:off x="4835805" y="2270452"/>
             <a:ext cx="161925" cy="180975"/>
           </a:xfrm>
           <a:prstGeom prst="rect">
@@ -17594,7 +17595,7 @@
         </p:nvCxnSpPr>
         <p:spPr>
           <a:xfrm rot="5400000">
-            <a:off x="5177814" y="2465579"/>
+            <a:off x="5177814" y="2275579"/>
             <a:ext cx="408641" cy="2689654"/>
           </a:xfrm>
           <a:prstGeom prst="bentConnector2">
@@ -19727,6 +19728,21 @@
 </file>
 
 <file path=customXml/item1.xml><?xml version="1.0" encoding="utf-8"?>
+<?mso-contentType ?>
+<FormTemplates xmlns="http://schemas.microsoft.com/sharepoint/v3/contenttype/forms">
+  <Display>DocumentLibraryForm</Display>
+  <Edit>DocumentLibraryForm</Edit>
+  <New>DocumentLibraryForm</New>
+</FormTemplates>
+</file>
+
+<file path=customXml/item2.xml><?xml version="1.0" encoding="utf-8"?>
+<p:properties xmlns:p="http://schemas.microsoft.com/office/2006/metadata/properties" xmlns:xsi="http://www.w3.org/2001/XMLSchema-instance">
+  <documentManagement/>
+</p:properties>
+</file>
+
+<file path=customXml/item3.xml><?xml version="1.0" encoding="utf-8"?>
 <ct:contentTypeSchema xmlns:ct="http://schemas.microsoft.com/office/2006/metadata/contentType" xmlns:ma="http://schemas.microsoft.com/office/2006/metadata/properties/metaAttributes" ct:_="" ma:_="" ma:contentTypeName="Document" ma:contentTypeID="0x010100D26A3D6C04DFD740953BA1B2B9E62D60" ma:contentTypeVersion="0" ma:contentTypeDescription="Create a new document." ma:contentTypeScope="" ma:versionID="26617cd14cd3af163c0e97ff614e520a">
   <xsd:schema xmlns:xsd="http://www.w3.org/2001/XMLSchema" xmlns:xs="http://www.w3.org/2001/XMLSchema" xmlns:p="http://schemas.microsoft.com/office/2006/metadata/properties" targetNamespace="http://schemas.microsoft.com/office/2006/metadata/properties" ma:root="true" ma:fieldsID="c64490b4aec6201516c3a874156f37b2">
     <xsd:element name="properties">
@@ -19840,33 +19856,10 @@
 </ct:contentTypeSchema>
 </file>
 
-<file path=customXml/item2.xml><?xml version="1.0" encoding="utf-8"?>
-<p:properties xmlns:p="http://schemas.microsoft.com/office/2006/metadata/properties" xmlns:xsi="http://www.w3.org/2001/XMLSchema-instance">
-  <documentManagement/>
-</p:properties>
-</file>
-
-<file path=customXml/item3.xml><?xml version="1.0" encoding="utf-8"?>
-<?mso-contentType ?>
-<FormTemplates xmlns="http://schemas.microsoft.com/sharepoint/v3/contenttype/forms">
-  <Display>DocumentLibraryForm</Display>
-  <Edit>DocumentLibraryForm</Edit>
-  <New>DocumentLibraryForm</New>
-</FormTemplates>
-</file>
-
 <file path=customXml/itemProps1.xml><?xml version="1.0" encoding="utf-8"?>
-<ds:datastoreItem xmlns:ds="http://schemas.openxmlformats.org/officeDocument/2006/customXml" ds:itemID="{51A3258A-222C-4488-825E-7520D001FB75}">
+<ds:datastoreItem xmlns:ds="http://schemas.openxmlformats.org/officeDocument/2006/customXml" ds:itemID="{705B35A6-8B52-46A5-AE45-B98C6459DC10}">
   <ds:schemaRefs>
-    <ds:schemaRef ds:uri="http://schemas.microsoft.com/office/2006/metadata/contentType"/>
-    <ds:schemaRef ds:uri="http://schemas.microsoft.com/office/2006/metadata/properties/metaAttributes"/>
-    <ds:schemaRef ds:uri="http://www.w3.org/2001/XMLSchema"/>
-    <ds:schemaRef ds:uri="http://schemas.microsoft.com/office/2006/metadata/properties"/>
-    <ds:schemaRef ds:uri="http://schemas.openxmlformats.org/package/2006/metadata/core-properties"/>
-    <ds:schemaRef ds:uri="http://purl.org/dc/elements/1.1/"/>
-    <ds:schemaRef ds:uri="http://purl.org/dc/terms/"/>
-    <ds:schemaRef ds:uri="http://schemas.microsoft.com/internal/obd"/>
-    <ds:schemaRef ds:uri="http://schemas.microsoft.com/office/infopath/2007/PartnerControls"/>
+    <ds:schemaRef ds:uri="http://schemas.microsoft.com/sharepoint/v3/contenttype/forms"/>
   </ds:schemaRefs>
 </ds:datastoreItem>
 </file>
@@ -19887,9 +19880,17 @@
 </file>
 
 <file path=customXml/itemProps3.xml><?xml version="1.0" encoding="utf-8"?>
-<ds:datastoreItem xmlns:ds="http://schemas.openxmlformats.org/officeDocument/2006/customXml" ds:itemID="{705B35A6-8B52-46A5-AE45-B98C6459DC10}">
+<ds:datastoreItem xmlns:ds="http://schemas.openxmlformats.org/officeDocument/2006/customXml" ds:itemID="{51A3258A-222C-4488-825E-7520D001FB75}">
   <ds:schemaRefs>
-    <ds:schemaRef ds:uri="http://schemas.microsoft.com/sharepoint/v3/contenttype/forms"/>
+    <ds:schemaRef ds:uri="http://schemas.microsoft.com/office/2006/metadata/contentType"/>
+    <ds:schemaRef ds:uri="http://schemas.microsoft.com/office/2006/metadata/properties/metaAttributes"/>
+    <ds:schemaRef ds:uri="http://www.w3.org/2001/XMLSchema"/>
+    <ds:schemaRef ds:uri="http://schemas.microsoft.com/office/2006/metadata/properties"/>
+    <ds:schemaRef ds:uri="http://schemas.openxmlformats.org/package/2006/metadata/core-properties"/>
+    <ds:schemaRef ds:uri="http://purl.org/dc/elements/1.1/"/>
+    <ds:schemaRef ds:uri="http://purl.org/dc/terms/"/>
+    <ds:schemaRef ds:uri="http://schemas.microsoft.com/internal/obd"/>
+    <ds:schemaRef ds:uri="http://schemas.microsoft.com/office/infopath/2007/PartnerControls"/>
   </ds:schemaRefs>
 </ds:datastoreItem>
 </file>